--- a/restricted/slides13w.pptx
+++ b/restricted/slides13w.pptx
@@ -7452,98 +7452,6 @@
                 <a:schemeClr val="tx2"/>
               </a:solidFill>
               <a:latin typeface="Comic Sans MS" pitchFamily="66" charset="0"/>
-            </a:endParaRPr>
-          </a:p>
-        </p:txBody>
-      </p:sp>
-      <p:sp>
-        <p:nvSpPr>
-          <p:cNvPr id="2052" name="Text Box 17"/>
-          <p:cNvSpPr txBox="1">
-            <a:spLocks noChangeArrowheads="1"/>
-          </p:cNvSpPr>
-          <p:nvPr>
-            <p:custDataLst>
-              <p:tags r:id="rId1"/>
-            </p:custDataLst>
-          </p:nvPr>
-        </p:nvSpPr>
-        <p:spPr bwMode="auto">
-          <a:xfrm>
-            <a:off x="0" y="7112000"/>
-            <a:ext cx="9144000" cy="1739900"/>
-          </a:xfrm>
-          <a:prstGeom prst="rect">
-            <a:avLst/>
-          </a:prstGeom>
-          <a:noFill/>
-          <a:ln w="9525">
-            <a:noFill/>
-            <a:miter lim="800000"/>
-            <a:headEnd/>
-            <a:tailEnd type="none" w="lg" len="lg"/>
-          </a:ln>
-        </p:spPr>
-        <p:txBody>
-          <a:bodyPr>
-            <a:spAutoFit/>
-          </a:bodyPr>
-          <a:lstStyle/>
-          <a:p>
-            <a:r>
-              <a:rPr lang="en-US" i="0"/>
-              <a:t>TexPoint fonts used in EMF. </a:t>
-            </a:r>
-          </a:p>
-          <a:p>
-            <a:r>
-              <a:rPr lang="en-US" i="0"/>
-              <a:t>Read the TexPoint manual before you delete this box.: A</a:t>
-            </a:r>
-            <a:r>
-              <a:rPr lang="en-US" i="0">
-                <a:latin typeface="eusm10" pitchFamily="34" charset="0"/>
-              </a:rPr>
-              <a:t>A</a:t>
-            </a:r>
-            <a:r>
-              <a:rPr lang="en-US" i="0">
-                <a:latin typeface="eurm10" pitchFamily="34" charset="0"/>
-              </a:rPr>
-              <a:t>A</a:t>
-            </a:r>
-            <a:r>
-              <a:rPr lang="en-US" i="0">
-                <a:latin typeface="eufm10" pitchFamily="34" charset="0"/>
-              </a:rPr>
-              <a:t>A</a:t>
-            </a:r>
-            <a:r>
-              <a:rPr lang="en-US" i="0">
-                <a:latin typeface="cmex10" pitchFamily="34" charset="0"/>
-              </a:rPr>
-              <a:t>A</a:t>
-            </a:r>
-            <a:r>
-              <a:rPr lang="en-US" i="0">
-                <a:latin typeface="cmsy10" pitchFamily="34" charset="0"/>
-              </a:rPr>
-              <a:t>A</a:t>
-            </a:r>
-            <a:r>
-              <a:rPr lang="en-US" i="0">
-                <a:latin typeface="Helvetica" pitchFamily="34" charset="0"/>
-              </a:rPr>
-              <a:t>A</a:t>
-            </a:r>
-            <a:r>
-              <a:rPr lang="en-US" i="0">
-                <a:latin typeface="euex10" pitchFamily="34" charset="0"/>
-              </a:rPr>
-              <a:t>A</a:t>
-            </a:r>
-            <a:endParaRPr lang="en-US" i="0">
-              <a:latin typeface="cmsy10" pitchFamily="34" charset="0"/>
             </a:endParaRPr>
           </a:p>
         </p:txBody>
@@ -26145,17 +26053,7 @@
                 <a:latin typeface="Comic Sans MS" pitchFamily="66" charset="0"/>
                 <a:sym typeface="Symbol" pitchFamily="18" charset="2"/>
               </a:rPr>
-              <a:t>] </a:t>
-            </a:r>
-            <a:r>
-              <a:rPr lang="en-US" sz="7200" i="0" dirty="0" smtClean="0">
-                <a:solidFill>
-                  <a:srgbClr val="0000FF"/>
-                </a:solidFill>
-                <a:latin typeface="Comic Sans MS" pitchFamily="66" charset="0"/>
-                <a:sym typeface="Symbol" pitchFamily="18" charset="2"/>
-              </a:rPr>
-              <a:t>=</a:t>
+              <a:t>] =</a:t>
             </a:r>
           </a:p>
           <a:p>
@@ -26180,7 +26078,17 @@
                 <a:latin typeface="Comic Sans MS" pitchFamily="66" charset="0"/>
                 <a:sym typeface="Symbol" pitchFamily="18" charset="2"/>
               </a:rPr>
-              <a:t>aE</a:t>
+              <a:t>aE[R</a:t>
+            </a:r>
+            <a:r>
+              <a:rPr lang="en-US" sz="7200" i="0" dirty="0" smtClean="0">
+                <a:solidFill>
+                  <a:srgbClr val="0000FF"/>
+                </a:solidFill>
+                <a:latin typeface="Comic Sans MS" pitchFamily="66" charset="0"/>
+                <a:sym typeface="Symbol" pitchFamily="18" charset="2"/>
+              </a:rPr>
+              <a:t>] + </a:t>
             </a:r>
             <a:r>
               <a:rPr lang="en-US" sz="7200" i="0" dirty="0" err="1" smtClean="0">
@@ -26190,47 +26098,7 @@
                 <a:latin typeface="Comic Sans MS" pitchFamily="66" charset="0"/>
                 <a:sym typeface="Symbol" pitchFamily="18" charset="2"/>
               </a:rPr>
-              <a:t>[R</a:t>
-            </a:r>
-            <a:r>
-              <a:rPr lang="en-US" sz="7200" i="0" dirty="0" smtClean="0">
-                <a:solidFill>
-                  <a:srgbClr val="0000FF"/>
-                </a:solidFill>
-                <a:latin typeface="Comic Sans MS" pitchFamily="66" charset="0"/>
-                <a:sym typeface="Symbol" pitchFamily="18" charset="2"/>
-              </a:rPr>
-              <a:t>] </a:t>
-            </a:r>
-            <a:r>
-              <a:rPr lang="en-US" sz="7200" i="0" dirty="0" smtClean="0">
-                <a:solidFill>
-                  <a:srgbClr val="0000FF"/>
-                </a:solidFill>
-                <a:latin typeface="Comic Sans MS" pitchFamily="66" charset="0"/>
-                <a:sym typeface="Symbol" pitchFamily="18" charset="2"/>
-              </a:rPr>
-              <a:t>+ </a:t>
-            </a:r>
-            <a:r>
-              <a:rPr lang="en-US" sz="7200" i="0" dirty="0" err="1" smtClean="0">
-                <a:solidFill>
-                  <a:srgbClr val="0000FF"/>
-                </a:solidFill>
-                <a:latin typeface="Comic Sans MS" pitchFamily="66" charset="0"/>
-                <a:sym typeface="Symbol" pitchFamily="18" charset="2"/>
-              </a:rPr>
-              <a:t>bE</a:t>
-            </a:r>
-            <a:r>
-              <a:rPr lang="en-US" sz="7200" i="0" dirty="0" err="1" smtClean="0">
-                <a:solidFill>
-                  <a:srgbClr val="0000FF"/>
-                </a:solidFill>
-                <a:latin typeface="Comic Sans MS" pitchFamily="66" charset="0"/>
-                <a:sym typeface="Symbol" pitchFamily="18" charset="2"/>
-              </a:rPr>
-              <a:t>[S</a:t>
+              <a:t>bE[S</a:t>
             </a:r>
             <a:r>
               <a:rPr lang="en-US" sz="7200" i="0" dirty="0" smtClean="0">
@@ -29210,13 +29078,8 @@
             <a:pPr eaLnBrk="1" hangingPunct="1"/>
             <a:r>
               <a:rPr lang="en-US" sz="4000" dirty="0" smtClean="0"/>
-              <a:t>Expected </a:t>
-            </a:r>
-            <a:r>
-              <a:rPr lang="en-US" sz="4000" dirty="0" smtClean="0"/>
-              <a:t>#hats returned </a:t>
-            </a:r>
-            <a:endParaRPr lang="en-US" sz="4000" dirty="0" smtClean="0"/>
+              <a:t>Expected #hats returned </a:t>
+            </a:r>
           </a:p>
         </p:txBody>
       </p:sp>
@@ -29529,14 +29392,7 @@
                 <a:latin typeface="Comic Sans MS" pitchFamily="66" charset="0"/>
                 <a:sym typeface="Symbol" pitchFamily="18" charset="2"/>
               </a:rPr>
-              <a:t> hat being returned to its </a:t>
-            </a:r>
-            <a:r>
-              <a:rPr lang="en-US" sz="4800" i="0" dirty="0" smtClean="0">
-                <a:latin typeface="Comic Sans MS" pitchFamily="66" charset="0"/>
-                <a:sym typeface="Symbol" pitchFamily="18" charset="2"/>
-              </a:rPr>
-              <a:t>owner</a:t>
+              <a:t> hat being returned to its owner</a:t>
             </a:r>
           </a:p>
           <a:p>
@@ -29747,13 +29603,8 @@
             <a:pPr eaLnBrk="1" hangingPunct="1"/>
             <a:r>
               <a:rPr lang="en-US" sz="4000" dirty="0" smtClean="0"/>
-              <a:t>Expected </a:t>
-            </a:r>
-            <a:r>
-              <a:rPr lang="en-US" sz="4000" dirty="0" smtClean="0"/>
-              <a:t>#hats returned </a:t>
-            </a:r>
-            <a:endParaRPr lang="en-US" sz="4000" dirty="0" smtClean="0"/>
+              <a:t>Expected #hats returned </a:t>
+            </a:r>
           </a:p>
         </p:txBody>
       </p:sp>
@@ -30451,13 +30302,8 @@
             <a:pPr eaLnBrk="1" hangingPunct="1"/>
             <a:r>
               <a:rPr lang="en-US" sz="4000" dirty="0" smtClean="0"/>
-              <a:t>Expected </a:t>
-            </a:r>
-            <a:r>
-              <a:rPr lang="en-US" sz="4000" dirty="0" smtClean="0"/>
-              <a:t>#hats returned </a:t>
-            </a:r>
-            <a:endParaRPr lang="en-US" sz="4000" dirty="0" smtClean="0"/>
+              <a:t>Expected #hats returned </a:t>
+            </a:r>
           </a:p>
         </p:txBody>
       </p:sp>
@@ -37477,12 +37323,6 @@
     </p:tnLst>
   </p:timing>
 </p:sld>
-</file>
-
-<file path=ppt/tags/tag1.xml><?xml version="1.0" encoding="utf-8"?>
-<p:tagLst xmlns:a="http://schemas.openxmlformats.org/drawingml/2006/main" xmlns:r="http://schemas.openxmlformats.org/officeDocument/2006/relationships" xmlns:mc="http://schemas.openxmlformats.org/markup-compatibility/2006" xmlns:mv="urn:schemas-microsoft-com:mac:vml" xmlns:p="http://schemas.openxmlformats.org/presentationml/2006/main" mc:Ignorable="mv" mc:PreserveAttributes="mv:*">
-  <p:tag name="HIDDENFONTSHAPE" val="true"/>
-</p:tagLst>
 </file>
 
 <file path=ppt/theme/theme1.xml><?xml version="1.0" encoding="utf-8"?>

--- a/restricted/slides13w.pptx
+++ b/restricted/slides13w.pptx
@@ -31,17 +31,17 @@
     <p:sldId id="320" r:id="rId19"/>
     <p:sldId id="321" r:id="rId20"/>
     <p:sldId id="322" r:id="rId21"/>
-    <p:sldId id="323" r:id="rId22"/>
-    <p:sldId id="324" r:id="rId23"/>
-    <p:sldId id="325" r:id="rId24"/>
-    <p:sldId id="356" r:id="rId25"/>
-    <p:sldId id="358" r:id="rId26"/>
-    <p:sldId id="326" r:id="rId27"/>
-    <p:sldId id="327" r:id="rId28"/>
-    <p:sldId id="357" r:id="rId29"/>
-    <p:sldId id="329" r:id="rId30"/>
-    <p:sldId id="331" r:id="rId31"/>
-    <p:sldId id="360" r:id="rId32"/>
+    <p:sldId id="364" r:id="rId22"/>
+    <p:sldId id="362" r:id="rId23"/>
+    <p:sldId id="324" r:id="rId24"/>
+    <p:sldId id="325" r:id="rId25"/>
+    <p:sldId id="356" r:id="rId26"/>
+    <p:sldId id="358" r:id="rId27"/>
+    <p:sldId id="326" r:id="rId28"/>
+    <p:sldId id="327" r:id="rId29"/>
+    <p:sldId id="357" r:id="rId30"/>
+    <p:sldId id="329" r:id="rId31"/>
+    <p:sldId id="331" r:id="rId32"/>
     <p:sldId id="332" r:id="rId33"/>
     <p:sldId id="333" r:id="rId34"/>
     <p:sldId id="334" r:id="rId35"/>
@@ -50,11 +50,11 @@
     <p:sldId id="337" r:id="rId38"/>
     <p:sldId id="338" r:id="rId39"/>
     <p:sldId id="339" r:id="rId40"/>
-    <p:sldId id="340" r:id="rId41"/>
-    <p:sldId id="341" r:id="rId42"/>
-    <p:sldId id="342" r:id="rId43"/>
-    <p:sldId id="343" r:id="rId44"/>
-    <p:sldId id="359" r:id="rId45"/>
+    <p:sldId id="363" r:id="rId41"/>
+    <p:sldId id="340" r:id="rId42"/>
+    <p:sldId id="341" r:id="rId43"/>
+    <p:sldId id="342" r:id="rId44"/>
+    <p:sldId id="343" r:id="rId45"/>
     <p:sldId id="345" r:id="rId46"/>
     <p:sldId id="346" r:id="rId47"/>
     <p:sldId id="347" r:id="rId48"/>
@@ -2091,7 +2091,7 @@
       </p:grpSpPr>
       <p:sp>
         <p:nvSpPr>
-          <p:cNvPr id="59394" name="Rectangle 7"/>
+          <p:cNvPr id="71682" name="Rectangle 7"/>
           <p:cNvSpPr>
             <a:spLocks noGrp="1" noChangeArrowheads="1"/>
           </p:cNvSpPr>
@@ -2106,7 +2106,7 @@
           <a:bodyPr/>
           <a:lstStyle/>
           <a:p>
-            <a:fld id="{DD7FFA06-5A9D-44C7-A273-B94A3BB1CCC6}" type="slidenum">
+            <a:fld id="{B2071B43-808F-4048-B1A6-DC5CBB081F20}" type="slidenum">
               <a:rPr lang="en-US" smtClean="0"/>
               <a:pPr/>
               <a:t>21</a:t>
@@ -2117,7 +2117,7 @@
       </p:sp>
       <p:sp>
         <p:nvSpPr>
-          <p:cNvPr id="59395" name="Rectangle 2"/>
+          <p:cNvPr id="71683" name="Rectangle 2"/>
           <p:cNvSpPr>
             <a:spLocks noGrp="1" noRot="1" noChangeAspect="1" noChangeArrowheads="1" noTextEdit="1"/>
           </p:cNvSpPr>
@@ -2126,12 +2126,16 @@
           </p:nvPr>
         </p:nvSpPr>
         <p:spPr>
+          <a:xfrm>
+            <a:off x="1258888" y="720725"/>
+            <a:ext cx="4800600" cy="3600450"/>
+          </a:xfrm>
           <a:ln/>
         </p:spPr>
       </p:sp>
       <p:sp>
         <p:nvSpPr>
-          <p:cNvPr id="59396" name="Rectangle 3"/>
+          <p:cNvPr id="71684" name="Rectangle 3"/>
           <p:cNvSpPr>
             <a:spLocks noGrp="1" noChangeArrowheads="1"/>
           </p:cNvSpPr>
@@ -3928,63 +3932,64 @@
       </p:grpSpPr>
       <p:sp>
         <p:nvSpPr>
-          <p:cNvPr id="2" name="Slide Image Placeholder 1"/>
+          <p:cNvPr id="59394" name="Rectangle 7"/>
           <p:cNvSpPr>
-            <a:spLocks noGrp="1" noRot="1" noChangeAspect="1"/>
+            <a:spLocks noGrp="1" noChangeArrowheads="1"/>
+          </p:cNvSpPr>
+          <p:nvPr>
+            <p:ph type="sldNum" sz="quarter" idx="5"/>
+          </p:nvPr>
+        </p:nvSpPr>
+        <p:spPr>
+          <a:noFill/>
+        </p:spPr>
+        <p:txBody>
+          <a:bodyPr/>
+          <a:lstStyle/>
+          <a:p>
+            <a:fld id="{DD7FFA06-5A9D-44C7-A273-B94A3BB1CCC6}" type="slidenum">
+              <a:rPr lang="en-US" smtClean="0"/>
+              <a:pPr/>
+              <a:t>40</a:t>
+            </a:fld>
+            <a:endParaRPr lang="en-US" smtClean="0"/>
+          </a:p>
+        </p:txBody>
+      </p:sp>
+      <p:sp>
+        <p:nvSpPr>
+          <p:cNvPr id="59395" name="Rectangle 2"/>
+          <p:cNvSpPr>
+            <a:spLocks noGrp="1" noRot="1" noChangeAspect="1" noChangeArrowheads="1" noTextEdit="1"/>
           </p:cNvSpPr>
           <p:nvPr>
             <p:ph type="sldImg"/>
           </p:nvPr>
         </p:nvSpPr>
-        <p:spPr/>
-      </p:sp>
-      <p:sp>
-        <p:nvSpPr>
-          <p:cNvPr id="3" name="Notes Placeholder 2"/>
+        <p:spPr>
+          <a:ln/>
+        </p:spPr>
+      </p:sp>
+      <p:sp>
+        <p:nvSpPr>
+          <p:cNvPr id="59396" name="Rectangle 3"/>
           <p:cNvSpPr>
-            <a:spLocks noGrp="1"/>
+            <a:spLocks noGrp="1" noChangeArrowheads="1"/>
           </p:cNvSpPr>
           <p:nvPr>
             <p:ph type="body" idx="1"/>
           </p:nvPr>
         </p:nvSpPr>
-        <p:spPr/>
-        <p:txBody>
-          <a:bodyPr>
-            <a:normAutofit/>
-          </a:bodyPr>
-          <a:lstStyle/>
-          <a:p>
-            <a:endParaRPr lang="en-US"/>
-          </a:p>
-        </p:txBody>
-      </p:sp>
-      <p:sp>
-        <p:nvSpPr>
-          <p:cNvPr id="4" name="Slide Number Placeholder 3"/>
-          <p:cNvSpPr>
-            <a:spLocks noGrp="1"/>
-          </p:cNvSpPr>
-          <p:nvPr>
-            <p:ph type="sldNum" sz="quarter" idx="10"/>
-          </p:nvPr>
-        </p:nvSpPr>
-        <p:spPr/>
+        <p:spPr>
+          <a:noFill/>
+          <a:ln/>
+        </p:spPr>
         <p:txBody>
           <a:bodyPr/>
           <a:lstStyle/>
           <a:p>
-            <a:pPr>
-              <a:defRPr/>
-            </a:pPr>
-            <a:fld id="{95AA6155-33F1-4AB1-B9CE-6460C2E01BD9}" type="slidenum">
-              <a:rPr lang="en-US" smtClean="0"/>
-              <a:pPr>
-                <a:defRPr/>
-              </a:pPr>
-              <a:t>40</a:t>
-            </a:fld>
-            <a:endParaRPr lang="en-US"/>
+            <a:pPr eaLnBrk="1" hangingPunct="1"/>
+            <a:endParaRPr lang="en-US" smtClean="0"/>
           </a:p>
         </p:txBody>
       </p:sp>
@@ -4102,73 +4107,63 @@
       </p:grpSpPr>
       <p:sp>
         <p:nvSpPr>
-          <p:cNvPr id="61442" name="Rectangle 7"/>
+          <p:cNvPr id="2" name="Slide Image Placeholder 1"/>
           <p:cNvSpPr>
-            <a:spLocks noGrp="1" noChangeArrowheads="1"/>
-          </p:cNvSpPr>
-          <p:nvPr>
-            <p:ph type="sldNum" sz="quarter" idx="5"/>
-          </p:nvPr>
-        </p:nvSpPr>
-        <p:spPr>
-          <a:noFill/>
-        </p:spPr>
-        <p:txBody>
-          <a:bodyPr/>
-          <a:lstStyle/>
-          <a:p>
-            <a:fld id="{11D41461-3829-48DF-80FB-7D366BC2BABC}" type="slidenum">
-              <a:rPr lang="en-US" smtClean="0"/>
-              <a:pPr/>
-              <a:t>42</a:t>
-            </a:fld>
-            <a:endParaRPr lang="en-US" smtClean="0"/>
-          </a:p>
-        </p:txBody>
-      </p:sp>
-      <p:sp>
-        <p:nvSpPr>
-          <p:cNvPr id="61443" name="Rectangle 2"/>
-          <p:cNvSpPr>
-            <a:spLocks noGrp="1" noRot="1" noChangeAspect="1" noChangeArrowheads="1" noTextEdit="1"/>
+            <a:spLocks noGrp="1" noRot="1" noChangeAspect="1"/>
           </p:cNvSpPr>
           <p:nvPr>
             <p:ph type="sldImg"/>
           </p:nvPr>
         </p:nvSpPr>
-        <p:spPr>
-          <a:solidFill>
-            <a:srgbClr val="FFFFFF"/>
-          </a:solidFill>
-          <a:ln/>
-        </p:spPr>
-      </p:sp>
-      <p:sp>
-        <p:nvSpPr>
-          <p:cNvPr id="61444" name="Rectangle 3"/>
+        <p:spPr/>
+      </p:sp>
+      <p:sp>
+        <p:nvSpPr>
+          <p:cNvPr id="3" name="Notes Placeholder 2"/>
           <p:cNvSpPr>
-            <a:spLocks noGrp="1" noChangeArrowheads="1"/>
+            <a:spLocks noGrp="1"/>
           </p:cNvSpPr>
           <p:nvPr>
             <p:ph type="body" idx="1"/>
           </p:nvPr>
         </p:nvSpPr>
-        <p:spPr>
-          <a:solidFill>
-            <a:srgbClr val="FFFFFF"/>
-          </a:solidFill>
-          <a:ln>
-            <a:solidFill>
-              <a:srgbClr val="000000"/>
-            </a:solidFill>
-          </a:ln>
-        </p:spPr>
+        <p:spPr/>
+        <p:txBody>
+          <a:bodyPr>
+            <a:normAutofit/>
+          </a:bodyPr>
+          <a:lstStyle/>
+          <a:p>
+            <a:endParaRPr lang="en-US"/>
+          </a:p>
+        </p:txBody>
+      </p:sp>
+      <p:sp>
+        <p:nvSpPr>
+          <p:cNvPr id="4" name="Slide Number Placeholder 3"/>
+          <p:cNvSpPr>
+            <a:spLocks noGrp="1"/>
+          </p:cNvSpPr>
+          <p:nvPr>
+            <p:ph type="sldNum" sz="quarter" idx="10"/>
+          </p:nvPr>
+        </p:nvSpPr>
+        <p:spPr/>
         <p:txBody>
           <a:bodyPr/>
           <a:lstStyle/>
           <a:p>
-            <a:pPr eaLnBrk="1" hangingPunct="1"/>
-            <a:endParaRPr lang="en-US" smtClean="0"/>
+            <a:pPr>
+              <a:defRPr/>
+            </a:pPr>
+            <a:fld id="{95AA6155-33F1-4AB1-B9CE-6460C2E01BD9}" type="slidenum">
+              <a:rPr lang="en-US" smtClean="0"/>
+              <a:pPr>
+                <a:defRPr/>
+              </a:pPr>
+              <a:t>42</a:t>
+            </a:fld>
+            <a:endParaRPr lang="en-US"/>
           </a:p>
         </p:txBody>
       </p:sp>
@@ -4296,7 +4291,7 @@
       </p:grpSpPr>
       <p:sp>
         <p:nvSpPr>
-          <p:cNvPr id="71682" name="Rectangle 7"/>
+          <p:cNvPr id="61442" name="Rectangle 7"/>
           <p:cNvSpPr>
             <a:spLocks noGrp="1" noChangeArrowheads="1"/>
           </p:cNvSpPr>
@@ -4311,7 +4306,7 @@
           <a:bodyPr/>
           <a:lstStyle/>
           <a:p>
-            <a:fld id="{B2071B43-808F-4048-B1A6-DC5CBB081F20}" type="slidenum">
+            <a:fld id="{11D41461-3829-48DF-80FB-7D366BC2BABC}" type="slidenum">
               <a:rPr lang="en-US" smtClean="0"/>
               <a:pPr/>
               <a:t>44</a:t>
@@ -4322,7 +4317,7 @@
       </p:sp>
       <p:sp>
         <p:nvSpPr>
-          <p:cNvPr id="71683" name="Rectangle 2"/>
+          <p:cNvPr id="61443" name="Rectangle 2"/>
           <p:cNvSpPr>
             <a:spLocks noGrp="1" noRot="1" noChangeAspect="1" noChangeArrowheads="1" noTextEdit="1"/>
           </p:cNvSpPr>
@@ -4331,16 +4326,15 @@
           </p:nvPr>
         </p:nvSpPr>
         <p:spPr>
-          <a:xfrm>
-            <a:off x="1258888" y="720725"/>
-            <a:ext cx="4800600" cy="3600450"/>
-          </a:xfrm>
+          <a:solidFill>
+            <a:srgbClr val="FFFFFF"/>
+          </a:solidFill>
           <a:ln/>
         </p:spPr>
       </p:sp>
       <p:sp>
         <p:nvSpPr>
-          <p:cNvPr id="71684" name="Rectangle 3"/>
+          <p:cNvPr id="61444" name="Rectangle 3"/>
           <p:cNvSpPr>
             <a:spLocks noGrp="1" noChangeArrowheads="1"/>
           </p:cNvSpPr>
@@ -4349,8 +4343,14 @@
           </p:nvPr>
         </p:nvSpPr>
         <p:spPr>
-          <a:noFill/>
-          <a:ln/>
+          <a:solidFill>
+            <a:srgbClr val="FFFFFF"/>
+          </a:solidFill>
+          <a:ln>
+            <a:solidFill>
+              <a:srgbClr val="000000"/>
+            </a:solidFill>
+          </a:ln>
         </p:spPr>
         <p:txBody>
           <a:bodyPr/>
@@ -12516,7 +12516,7 @@
 </file>
 
 <file path=ppt/slides/slide21.xml><?xml version="1.0" encoding="utf-8"?>
-<p:sld xmlns:a="http://schemas.openxmlformats.org/drawingml/2006/main" xmlns:r="http://schemas.openxmlformats.org/officeDocument/2006/relationships" xmlns:mc="http://schemas.openxmlformats.org/markup-compatibility/2006" xmlns:mv="urn:schemas-microsoft-com:mac:vml" xmlns:p="http://schemas.openxmlformats.org/presentationml/2006/main" mc:Ignorable="mv" mc:PreserveAttributes="mv:*" show="0">
+<p:sld xmlns:a="http://schemas.openxmlformats.org/drawingml/2006/main" xmlns:r="http://schemas.openxmlformats.org/officeDocument/2006/relationships" xmlns:mc="http://schemas.openxmlformats.org/markup-compatibility/2006" xmlns:mv="urn:schemas-microsoft-com:mac:vml" xmlns:p="http://schemas.openxmlformats.org/presentationml/2006/main" mc:Ignorable="mv" mc:PreserveAttributes="mv:*">
   <p:cSld>
     <p:spTree>
       <p:nvGrpSpPr>
@@ -12534,12 +12534,12 @@
       </p:grpSpPr>
       <p:sp>
         <p:nvSpPr>
-          <p:cNvPr id="27650" name="Rectangle 2"/>
+          <p:cNvPr id="7" name="Slide Number Placeholder 3"/>
           <p:cNvSpPr>
-            <a:spLocks noGrp="1" noChangeArrowheads="1"/>
+            <a:spLocks noGrp="1"/>
           </p:cNvSpPr>
           <p:nvPr>
-            <p:ph type="title"/>
+            <p:ph type="sldNum" sz="quarter" idx="11"/>
           </p:nvPr>
         </p:nvSpPr>
         <p:spPr/>
@@ -12547,272 +12547,258 @@
           <a:bodyPr/>
           <a:lstStyle/>
           <a:p>
-            <a:pPr eaLnBrk="1" hangingPunct="1"/>
-            <a:r>
-              <a:rPr lang="en-US" sz="3600" smtClean="0"/>
-              <a:t>Mean Time to Failure</a:t>
-            </a:r>
-          </a:p>
-        </p:txBody>
-      </p:sp>
-      <p:sp>
-        <p:nvSpPr>
-          <p:cNvPr id="626691" name="Text Box 3"/>
-          <p:cNvSpPr txBox="1">
-            <a:spLocks noChangeArrowheads="1"/>
-          </p:cNvSpPr>
-          <p:nvPr/>
-        </p:nvSpPr>
-        <p:spPr bwMode="auto">
-          <a:xfrm>
-            <a:off x="685800" y="1755775"/>
-            <a:ext cx="7744428" cy="4462760"/>
-          </a:xfrm>
-          <a:prstGeom prst="rect">
-            <a:avLst/>
-          </a:prstGeom>
-          <a:noFill/>
-          <a:ln w="28575">
-            <a:noFill/>
-            <a:miter lim="800000"/>
-            <a:headEnd/>
-            <a:tailEnd type="none" w="lg" len="lg"/>
-          </a:ln>
-        </p:spPr>
-        <p:txBody>
-          <a:bodyPr wrap="none">
-            <a:spAutoFit/>
-          </a:bodyPr>
-          <a:lstStyle/>
-          <a:p>
-            <a:r>
-              <a:rPr lang="en-US" sz="4000" dirty="0">
-                <a:latin typeface="Comic Sans MS" pitchFamily="66" charset="0"/>
-              </a:rPr>
-              <a:t>application:</a:t>
-            </a:r>
-            <a:r>
-              <a:rPr lang="en-US" sz="4400" i="0" dirty="0">
-                <a:latin typeface="Comic Sans MS" pitchFamily="66" charset="0"/>
-              </a:rPr>
-              <a:t> Space station Mir</a:t>
-            </a:r>
-          </a:p>
-          <a:p>
-            <a:r>
-              <a:rPr lang="en-US" sz="4400" i="0" dirty="0">
-                <a:latin typeface="Comic Sans MS" pitchFamily="66" charset="0"/>
-              </a:rPr>
-              <a:t>say </a:t>
-            </a:r>
-            <a:r>
-              <a:rPr lang="en-US" sz="4400" i="0" dirty="0" smtClean="0">
-                <a:latin typeface="Comic Sans MS" pitchFamily="66" charset="0"/>
-              </a:rPr>
-              <a:t>has </a:t>
-            </a:r>
-            <a:r>
-              <a:rPr lang="en-US" sz="4400" i="0" dirty="0">
-                <a:solidFill>
-                  <a:srgbClr val="0000FF"/>
-                </a:solidFill>
-                <a:latin typeface="Comic Sans MS" pitchFamily="66" charset="0"/>
-              </a:rPr>
-              <a:t>1/150,000</a:t>
-            </a:r>
-            <a:r>
-              <a:rPr lang="en-US" sz="4400" i="0" dirty="0">
-                <a:latin typeface="Comic Sans MS" pitchFamily="66" charset="0"/>
-              </a:rPr>
-              <a:t> chance of</a:t>
-            </a:r>
-          </a:p>
-          <a:p>
-            <a:r>
-              <a:rPr lang="en-US" sz="4400" i="0" dirty="0">
-                <a:latin typeface="Comic Sans MS" pitchFamily="66" charset="0"/>
-              </a:rPr>
-              <a:t>exploding in any given </a:t>
-            </a:r>
-            <a:r>
-              <a:rPr lang="en-US" sz="4400" i="0" dirty="0" smtClean="0">
-                <a:latin typeface="Comic Sans MS" pitchFamily="66" charset="0"/>
-              </a:rPr>
-              <a:t>hour</a:t>
-            </a:r>
-            <a:endParaRPr lang="en-US" sz="4400" i="0" dirty="0">
-              <a:latin typeface="Comic Sans MS" pitchFamily="66" charset="0"/>
-            </a:endParaRPr>
-          </a:p>
-          <a:p>
-            <a:r>
-              <a:rPr lang="en-US" sz="4400" i="0" dirty="0">
-                <a:latin typeface="Comic Sans MS" pitchFamily="66" charset="0"/>
-              </a:rPr>
-              <a:t>After how may hours </a:t>
-            </a:r>
-            <a:r>
-              <a:rPr lang="en-US" sz="4400" i="0" dirty="0" smtClean="0">
-                <a:latin typeface="Comic Sans MS" pitchFamily="66" charset="0"/>
-              </a:rPr>
-              <a:t>do</a:t>
-            </a:r>
-            <a:endParaRPr lang="en-US" sz="4400" i="0" dirty="0">
-              <a:latin typeface="Comic Sans MS" pitchFamily="66" charset="0"/>
-            </a:endParaRPr>
-          </a:p>
-          <a:p>
-            <a:r>
-              <a:rPr lang="en-US" sz="4400" i="0" dirty="0">
-                <a:latin typeface="Comic Sans MS" pitchFamily="66" charset="0"/>
-              </a:rPr>
-              <a:t>we expect it to explode?</a:t>
-            </a:r>
-          </a:p>
-          <a:p>
-            <a:pPr>
-              <a:spcBef>
-                <a:spcPts val="2400"/>
-              </a:spcBef>
-            </a:pPr>
-            <a:r>
-              <a:rPr lang="en-US" sz="4400" i="0" dirty="0">
-                <a:latin typeface="Comic Sans MS" pitchFamily="66" charset="0"/>
-              </a:rPr>
-              <a:t>   </a:t>
-            </a:r>
-            <a:r>
-              <a:rPr lang="en-US" sz="4400" i="0" dirty="0">
-                <a:solidFill>
-                  <a:srgbClr val="0000FF"/>
-                </a:solidFill>
-                <a:latin typeface="Comic Sans MS" pitchFamily="66" charset="0"/>
-              </a:rPr>
-              <a:t>150,000</a:t>
-            </a:r>
-            <a:r>
-              <a:rPr lang="en-US" sz="4400" i="0" dirty="0">
-                <a:latin typeface="Comic Sans MS" pitchFamily="66" charset="0"/>
-              </a:rPr>
-              <a:t> hours</a:t>
-            </a:r>
-            <a:r>
-              <a:rPr lang="en-US" sz="4400" i="0" dirty="0" smtClean="0">
-                <a:latin typeface="Comic Sans MS" pitchFamily="66" charset="0"/>
-              </a:rPr>
-              <a:t> </a:t>
-            </a:r>
-            <a:r>
-              <a:rPr lang="en-US" sz="4400" b="1" i="0" dirty="0" smtClean="0">
-                <a:latin typeface="Euclid Symbol" charset="2"/>
-                <a:cs typeface="Euclid Symbol" charset="2"/>
-                <a:sym typeface="Euclid Symbol" pitchFamily="18" charset="2"/>
-              </a:rPr>
-              <a:t>≈</a:t>
-            </a:r>
-            <a:r>
-              <a:rPr lang="en-US" sz="4400" i="0" dirty="0" smtClean="0">
-                <a:latin typeface="Comic Sans MS" pitchFamily="66" charset="0"/>
-                <a:sym typeface="Euclid Symbol" pitchFamily="18" charset="2"/>
-              </a:rPr>
-              <a:t> </a:t>
-            </a:r>
-            <a:r>
-              <a:rPr lang="en-US" sz="4400" i="0" dirty="0">
-                <a:latin typeface="Comic Sans MS" pitchFamily="66" charset="0"/>
-                <a:sym typeface="Euclid Symbol" pitchFamily="18" charset="2"/>
-              </a:rPr>
-              <a:t>17 years</a:t>
-            </a:r>
-          </a:p>
-        </p:txBody>
-      </p:sp>
-      <p:pic>
-        <p:nvPicPr>
-          <p:cNvPr id="27652" name="Picture 4" descr="j0215086"/>
-          <p:cNvPicPr>
-            <a:picLocks noChangeAspect="1" noChangeArrowheads="1"/>
-          </p:cNvPicPr>
-          <p:nvPr/>
-        </p:nvPicPr>
-        <p:blipFill>
-          <a:blip r:embed="rId3" cstate="print"/>
-          <a:srcRect/>
-          <a:stretch>
-            <a:fillRect/>
-          </a:stretch>
-        </p:blipFill>
-        <p:spPr bwMode="auto">
-          <a:xfrm rot="-5400000">
-            <a:off x="6870700" y="-393700"/>
-            <a:ext cx="1660525" cy="2600325"/>
-          </a:xfrm>
-          <a:prstGeom prst="rect">
-            <a:avLst/>
-          </a:prstGeom>
-          <a:noFill/>
-          <a:ln w="9525">
-            <a:noFill/>
-            <a:miter lim="800000"/>
-            <a:headEnd/>
-            <a:tailEnd/>
-          </a:ln>
-        </p:spPr>
-      </p:pic>
-      <p:sp>
-        <p:nvSpPr>
-          <p:cNvPr id="5" name="Slide Number Placeholder 3"/>
-          <p:cNvSpPr>
-            <a:spLocks noGrp="1"/>
-          </p:cNvSpPr>
-          <p:nvPr>
-            <p:ph type="sldNum" sz="quarter" idx="4294967295"/>
-          </p:nvPr>
-        </p:nvSpPr>
-        <p:spPr>
-          <a:xfrm>
-            <a:off x="7554913" y="6587734"/>
-            <a:ext cx="1527175" cy="244475"/>
-          </a:xfrm>
-          <a:prstGeom prst="rect">
-            <a:avLst/>
-          </a:prstGeom>
-        </p:spPr>
-        <p:txBody>
-          <a:bodyPr/>
-          <a:lstStyle/>
-          <a:p>
             <a:pPr>
               <a:defRPr/>
             </a:pPr>
             <a:r>
-              <a:rPr lang="en-US" sz="1200" dirty="0" err="1">
-                <a:latin typeface="Comic Sans MS"/>
-                <a:cs typeface="Comic Sans MS"/>
-              </a:rPr>
+              <a:rPr lang="en-US" dirty="0" err="1"/>
               <a:t>lec</a:t>
             </a:r>
             <a:r>
-              <a:rPr lang="en-US" sz="1200" dirty="0" smtClean="0">
-                <a:latin typeface="Comic Sans MS"/>
-                <a:cs typeface="Comic Sans MS"/>
-              </a:rPr>
+              <a:rPr lang="en-US" dirty="0" smtClean="0"/>
               <a:t> 13W.</a:t>
             </a:r>
-            <a:fld id="{93DA0692-DAF7-4AFE-9BE7-E02439D3694A}" type="slidenum">
-              <a:rPr lang="en-US" sz="1200" smtClean="0">
-                <a:latin typeface="Comic Sans MS"/>
-                <a:cs typeface="Comic Sans MS"/>
-              </a:rPr>
+            <a:fld id="{39196791-36AF-407D-9527-253971E27E13}" type="slidenum">
+              <a:rPr lang="en-US" smtClean="0"/>
               <a:pPr>
                 <a:defRPr/>
               </a:pPr>
               <a:t>21</a:t>
             </a:fld>
-            <a:endParaRPr lang="en-US" sz="1200" dirty="0">
-              <a:latin typeface="Comic Sans MS"/>
-              <a:cs typeface="Comic Sans MS"/>
+            <a:endParaRPr lang="en-US" dirty="0"/>
+          </a:p>
+        </p:txBody>
+      </p:sp>
+      <p:sp>
+        <p:nvSpPr>
+          <p:cNvPr id="155651" name="Rectangle 3"/>
+          <p:cNvSpPr>
+            <a:spLocks noGrp="1" noChangeArrowheads="1"/>
+          </p:cNvSpPr>
+          <p:nvPr>
+            <p:ph type="body" sz="half" idx="4294967295"/>
+          </p:nvPr>
+        </p:nvSpPr>
+        <p:spPr>
+          <a:xfrm>
+            <a:off x="273532" y="877523"/>
+            <a:ext cx="8574088" cy="5413863"/>
+          </a:xfrm>
+        </p:spPr>
+        <p:txBody>
+          <a:bodyPr/>
+          <a:lstStyle/>
+          <a:p>
+            <a:pPr marL="0" indent="0" eaLnBrk="1" hangingPunct="1"/>
+            <a:r>
+              <a:rPr lang="en-US" dirty="0" smtClean="0"/>
+              <a:t>The </a:t>
+            </a:r>
+            <a:r>
+              <a:rPr lang="en-US" dirty="0" smtClean="0">
+                <a:solidFill>
+                  <a:srgbClr val="006600"/>
+                </a:solidFill>
+              </a:rPr>
+              <a:t>indicator variable </a:t>
+            </a:r>
+            <a:r>
+              <a:rPr lang="en-US" dirty="0" smtClean="0"/>
+              <a:t>for event </a:t>
+            </a:r>
+            <a:r>
+              <a:rPr lang="en-US" dirty="0" smtClean="0">
+                <a:solidFill>
+                  <a:srgbClr val="3333FF"/>
+                </a:solidFill>
+              </a:rPr>
+              <a:t>A</a:t>
+            </a:r>
+            <a:r>
+              <a:rPr lang="en-US" dirty="0" smtClean="0"/>
+              <a:t>: </a:t>
+            </a:r>
+            <a:endParaRPr lang="en-US" dirty="0" smtClean="0">
+              <a:solidFill>
+                <a:srgbClr val="006600"/>
+              </a:solidFill>
             </a:endParaRPr>
+          </a:p>
+          <a:p>
+            <a:pPr marL="0" indent="0" eaLnBrk="1" hangingPunct="1"/>
+            <a:endParaRPr lang="en-US" dirty="0" smtClean="0"/>
+          </a:p>
+          <a:p>
+            <a:pPr marL="0" indent="0" eaLnBrk="1" hangingPunct="1"/>
+            <a:endParaRPr lang="en-US" dirty="0" smtClean="0">
+              <a:solidFill>
+                <a:schemeClr val="accent2"/>
+              </a:solidFill>
+            </a:endParaRPr>
+          </a:p>
+          <a:p>
+            <a:pPr marL="0" indent="0" eaLnBrk="1" hangingPunct="1"/>
+            <a:endParaRPr lang="en-US" dirty="0" smtClean="0">
+              <a:solidFill>
+                <a:schemeClr val="accent2"/>
+              </a:solidFill>
+            </a:endParaRPr>
+          </a:p>
+          <a:p>
+            <a:pPr marL="0" indent="0" eaLnBrk="1" hangingPunct="1"/>
+            <a:r>
+              <a:rPr lang="en-US" dirty="0" smtClean="0"/>
+              <a:t>(</a:t>
+            </a:r>
+            <a:r>
+              <a:rPr lang="en-US" dirty="0" smtClean="0">
+                <a:solidFill>
+                  <a:srgbClr val="006600"/>
+                </a:solidFill>
+              </a:rPr>
+              <a:t>Sanity check:</a:t>
+            </a:r>
+          </a:p>
+          <a:p>
+            <a:pPr marL="0" indent="0" algn="ctr" eaLnBrk="1" hangingPunct="1"/>
+            <a:r>
+              <a:rPr lang="en-US" dirty="0" smtClean="0"/>
+              <a:t> </a:t>
+            </a:r>
+            <a:r>
+              <a:rPr lang="en-US" dirty="0" smtClean="0">
+                <a:solidFill>
+                  <a:srgbClr val="3333FF"/>
+                </a:solidFill>
+              </a:rPr>
+              <a:t>I</a:t>
+            </a:r>
+            <a:r>
+              <a:rPr lang="en-US" baseline="-25000" dirty="0" smtClean="0">
+                <a:solidFill>
+                  <a:srgbClr val="3333FF"/>
+                </a:solidFill>
+              </a:rPr>
+              <a:t>A</a:t>
+            </a:r>
+            <a:r>
+              <a:rPr lang="en-US" baseline="-25000" dirty="0" smtClean="0"/>
+              <a:t>  </a:t>
+            </a:r>
+            <a:r>
+              <a:rPr lang="en-US" dirty="0" smtClean="0"/>
+              <a:t>and </a:t>
+            </a:r>
+            <a:r>
+              <a:rPr lang="en-US" dirty="0" smtClean="0">
+                <a:solidFill>
+                  <a:srgbClr val="3333FF"/>
+                </a:solidFill>
+              </a:rPr>
+              <a:t>I</a:t>
+            </a:r>
+            <a:r>
+              <a:rPr lang="en-US" baseline="-25000" dirty="0" smtClean="0">
+                <a:solidFill>
+                  <a:srgbClr val="3333FF"/>
+                </a:solidFill>
+              </a:rPr>
+              <a:t>B</a:t>
+            </a:r>
+            <a:r>
+              <a:rPr lang="en-US" baseline="-25000" dirty="0" smtClean="0"/>
+              <a:t>  </a:t>
+            </a:r>
+            <a:r>
+              <a:rPr lang="en-US" dirty="0" smtClean="0"/>
+              <a:t>are independent </a:t>
+            </a:r>
+            <a:r>
+              <a:rPr lang="en-US" dirty="0" err="1" smtClean="0"/>
+              <a:t>iff</a:t>
+            </a:r>
+            <a:endParaRPr lang="en-US" dirty="0" smtClean="0"/>
+          </a:p>
+          <a:p>
+            <a:pPr marL="0" indent="0" algn="ctr" eaLnBrk="1" hangingPunct="1"/>
+            <a:r>
+              <a:rPr lang="en-US" dirty="0" smtClean="0"/>
+              <a:t> </a:t>
+            </a:r>
+            <a:r>
+              <a:rPr lang="en-US" dirty="0" smtClean="0">
+                <a:solidFill>
+                  <a:srgbClr val="3333FF"/>
+                </a:solidFill>
+              </a:rPr>
+              <a:t>A</a:t>
+            </a:r>
+            <a:r>
+              <a:rPr lang="en-US" dirty="0" smtClean="0"/>
+              <a:t> and </a:t>
+            </a:r>
+            <a:r>
+              <a:rPr lang="en-US" dirty="0" smtClean="0">
+                <a:solidFill>
+                  <a:srgbClr val="3333FF"/>
+                </a:solidFill>
+              </a:rPr>
+              <a:t>B</a:t>
+            </a:r>
+            <a:r>
+              <a:rPr lang="en-US" dirty="0" smtClean="0"/>
+              <a:t> are independent.)</a:t>
+            </a:r>
+          </a:p>
+        </p:txBody>
+      </p:sp>
+      <p:graphicFrame>
+        <p:nvGraphicFramePr>
+          <p:cNvPr id="8194" name="Object 4"/>
+          <p:cNvGraphicFramePr>
+            <a:graphicFrameLocks noChangeAspect="1"/>
+          </p:cNvGraphicFramePr>
+          <p:nvPr>
+            <p:ph sz="quarter" idx="4294967295"/>
+          </p:nvPr>
+        </p:nvGraphicFramePr>
+        <p:xfrm>
+          <a:off x="912457" y="1624013"/>
+          <a:ext cx="7278706" cy="1980833"/>
+        </p:xfrm>
+        <a:graphic>
+          <a:graphicData uri="http://schemas.openxmlformats.org/presentationml/2006/ole">
+            <p:oleObj spid="_x0000_s486402" name="Equation" r:id="rId4" imgW="1866600" imgH="507960" progId="Equation.DSMT4">
+              <p:embed/>
+            </p:oleObj>
+          </a:graphicData>
+        </a:graphic>
+      </p:graphicFrame>
+      <p:sp>
+        <p:nvSpPr>
+          <p:cNvPr id="8197" name="Rectangle 2"/>
+          <p:cNvSpPr>
+            <a:spLocks noGrp="1" noChangeArrowheads="1"/>
+          </p:cNvSpPr>
+          <p:nvPr>
+            <p:ph type="title" idx="4294967295"/>
+          </p:nvPr>
+        </p:nvSpPr>
+        <p:spPr>
+          <a:xfrm>
+            <a:off x="1474788" y="130175"/>
+            <a:ext cx="6553200" cy="838200"/>
+          </a:xfrm>
+        </p:spPr>
+        <p:txBody>
+          <a:bodyPr/>
+          <a:lstStyle/>
+          <a:p>
+            <a:pPr eaLnBrk="1" hangingPunct="1"/>
+            <a:r>
+              <a:rPr lang="en-US" smtClean="0"/>
+              <a:t>Indicator Variables</a:t>
+            </a:r>
           </a:p>
         </p:txBody>
       </p:sp>
@@ -12821,7 +12807,9 @@
   <p:clrMapOvr>
     <a:masterClrMapping/>
   </p:clrMapOvr>
-  <p:transition/>
+  <p:transition>
+    <p:fade thruBlk="1"/>
+  </p:transition>
   <p:timing>
     <p:tnLst>
       <p:par>
@@ -12856,9 +12844,9 @@
                                           </p:stCondLst>
                                         </p:cTn>
                                         <p:tgtEl>
-                                          <p:spTgt spid="626691">
+                                          <p:spTgt spid="155651">
                                             <p:txEl>
-                                              <p:pRg st="1" end="1"/>
+                                              <p:pRg st="4" end="4"/>
                                             </p:txEl>
                                           </p:spTgt>
                                         </p:tgtEl>
@@ -12887,58 +12875,9 @@
                                           </p:stCondLst>
                                         </p:cTn>
                                         <p:tgtEl>
-                                          <p:spTgt spid="626691">
+                                          <p:spTgt spid="155651">
                                             <p:txEl>
-                                              <p:pRg st="2" end="2"/>
-                                            </p:txEl>
-                                          </p:spTgt>
-                                        </p:tgtEl>
-                                        <p:attrNameLst>
-                                          <p:attrName>style.visibility</p:attrName>
-                                        </p:attrNameLst>
-                                      </p:cBhvr>
-                                      <p:to>
-                                        <p:strVal val="visible"/>
-                                      </p:to>
-                                    </p:set>
-                                  </p:childTnLst>
-                                </p:cTn>
-                              </p:par>
-                            </p:childTnLst>
-                          </p:cTn>
-                        </p:par>
-                      </p:childTnLst>
-                    </p:cTn>
-                  </p:par>
-                  <p:par>
-                    <p:cTn id="9" fill="hold">
-                      <p:stCondLst>
-                        <p:cond delay="indefinite"/>
-                      </p:stCondLst>
-                      <p:childTnLst>
-                        <p:par>
-                          <p:cTn id="10" fill="hold">
-                            <p:stCondLst>
-                              <p:cond delay="0"/>
-                            </p:stCondLst>
-                            <p:childTnLst>
-                              <p:par>
-                                <p:cTn id="11" presetID="1" presetClass="entr" presetSubtype="0" fill="hold" nodeType="clickEffect">
-                                  <p:stCondLst>
-                                    <p:cond delay="0"/>
-                                  </p:stCondLst>
-                                  <p:childTnLst>
-                                    <p:set>
-                                      <p:cBhvr>
-                                        <p:cTn id="12" dur="1" fill="hold">
-                                          <p:stCondLst>
-                                            <p:cond delay="0"/>
-                                          </p:stCondLst>
-                                        </p:cTn>
-                                        <p:tgtEl>
-                                          <p:spTgt spid="626691">
-                                            <p:txEl>
-                                              <p:pRg st="3" end="3"/>
+                                              <p:pRg st="5" end="5"/>
                                             </p:txEl>
                                           </p:spTgt>
                                         </p:tgtEl>
@@ -12954,71 +12893,22 @@
                                 </p:cTn>
                               </p:par>
                               <p:par>
-                                <p:cTn id="13" presetID="1" presetClass="entr" presetSubtype="0" fill="hold" nodeType="withEffect">
+                                <p:cTn id="9" presetID="1" presetClass="entr" presetSubtype="0" fill="hold" nodeType="withEffect">
                                   <p:stCondLst>
                                     <p:cond delay="0"/>
                                   </p:stCondLst>
                                   <p:childTnLst>
                                     <p:set>
                                       <p:cBhvr>
-                                        <p:cTn id="14" dur="1" fill="hold">
+                                        <p:cTn id="10" dur="1" fill="hold">
                                           <p:stCondLst>
                                             <p:cond delay="0"/>
                                           </p:stCondLst>
                                         </p:cTn>
                                         <p:tgtEl>
-                                          <p:spTgt spid="626691">
+                                          <p:spTgt spid="155651">
                                             <p:txEl>
-                                              <p:pRg st="4" end="4"/>
-                                            </p:txEl>
-                                          </p:spTgt>
-                                        </p:tgtEl>
-                                        <p:attrNameLst>
-                                          <p:attrName>style.visibility</p:attrName>
-                                        </p:attrNameLst>
-                                      </p:cBhvr>
-                                      <p:to>
-                                        <p:strVal val="visible"/>
-                                      </p:to>
-                                    </p:set>
-                                  </p:childTnLst>
-                                </p:cTn>
-                              </p:par>
-                            </p:childTnLst>
-                          </p:cTn>
-                        </p:par>
-                      </p:childTnLst>
-                    </p:cTn>
-                  </p:par>
-                  <p:par>
-                    <p:cTn id="15" fill="hold">
-                      <p:stCondLst>
-                        <p:cond delay="indefinite"/>
-                      </p:stCondLst>
-                      <p:childTnLst>
-                        <p:par>
-                          <p:cTn id="16" fill="hold">
-                            <p:stCondLst>
-                              <p:cond delay="0"/>
-                            </p:stCondLst>
-                            <p:childTnLst>
-                              <p:par>
-                                <p:cTn id="17" presetID="1" presetClass="entr" presetSubtype="0" fill="hold" nodeType="clickEffect">
-                                  <p:stCondLst>
-                                    <p:cond delay="0"/>
-                                  </p:stCondLst>
-                                  <p:childTnLst>
-                                    <p:set>
-                                      <p:cBhvr>
-                                        <p:cTn id="18" dur="1" fill="hold">
-                                          <p:stCondLst>
-                                            <p:cond delay="0"/>
-                                          </p:stCondLst>
-                                        </p:cTn>
-                                        <p:tgtEl>
-                                          <p:spTgt spid="626691">
-                                            <p:txEl>
-                                              <p:pRg st="5" end="5"/>
+                                              <p:pRg st="6" end="6"/>
                                             </p:txEl>
                                           </p:spTgt>
                                         </p:tgtEl>
@@ -13081,6 +12971,757 @@
           <a:chExt cx="0" cy="0"/>
         </a:xfrm>
       </p:grpSpPr>
+      <p:sp>
+        <p:nvSpPr>
+          <p:cNvPr id="3" name="Content Placeholder 2"/>
+          <p:cNvSpPr>
+            <a:spLocks noGrp="1"/>
+          </p:cNvSpPr>
+          <p:nvPr>
+            <p:ph idx="1"/>
+          </p:nvPr>
+        </p:nvSpPr>
+        <p:spPr>
+          <a:xfrm>
+            <a:off x="1295400" y="1295400"/>
+            <a:ext cx="6553200" cy="4572000"/>
+          </a:xfrm>
+        </p:spPr>
+        <p:txBody>
+          <a:bodyPr/>
+          <a:lstStyle/>
+          <a:p>
+            <a:pPr>
+              <a:buNone/>
+            </a:pPr>
+            <a:r>
+              <a:rPr lang="en-US" sz="6000" dirty="0" smtClean="0"/>
+              <a:t>E[</a:t>
+            </a:r>
+            <a:r>
+              <a:rPr lang="en-US" sz="6000" dirty="0" smtClean="0">
+                <a:solidFill>
+                  <a:srgbClr val="0000FF"/>
+                </a:solidFill>
+              </a:rPr>
+              <a:t>I</a:t>
+            </a:r>
+            <a:r>
+              <a:rPr lang="en-US" sz="6000" dirty="0" smtClean="0"/>
+              <a:t>] = </a:t>
+            </a:r>
+            <a:r>
+              <a:rPr lang="en-US" sz="6000" dirty="0" smtClean="0">
+                <a:solidFill>
+                  <a:srgbClr val="0000FF"/>
+                </a:solidFill>
+                <a:sym typeface="Euclid Symbol"/>
+              </a:rPr>
+              <a:t>1</a:t>
+            </a:r>
+            <a:r>
+              <a:rPr lang="en-US" sz="6000" dirty="0" smtClean="0">
+                <a:sym typeface="Euclid Symbol"/>
+              </a:rPr>
+              <a:t>⋅P</a:t>
+            </a:r>
+            <a:r>
+              <a:rPr lang="en-US" sz="6000" dirty="0" smtClean="0"/>
+              <a:t>r{</a:t>
+            </a:r>
+            <a:r>
+              <a:rPr lang="en-US" sz="6000" dirty="0" smtClean="0">
+                <a:solidFill>
+                  <a:srgbClr val="0000FF"/>
+                </a:solidFill>
+              </a:rPr>
+              <a:t>I=1</a:t>
+            </a:r>
+            <a:r>
+              <a:rPr lang="en-US" sz="6000" dirty="0" smtClean="0"/>
+              <a:t>}</a:t>
+            </a:r>
+            <a:r>
+              <a:rPr lang="en-US" sz="6000" dirty="0" smtClean="0">
+                <a:solidFill>
+                  <a:srgbClr val="0000FF"/>
+                </a:solidFill>
+                <a:sym typeface="Euclid Symbol"/>
+              </a:rPr>
+              <a:t> </a:t>
+            </a:r>
+            <a:r>
+              <a:rPr lang="en-US" sz="6000" dirty="0" smtClean="0">
+                <a:sym typeface="Euclid Symbol"/>
+              </a:rPr>
+              <a:t>+</a:t>
+            </a:r>
+          </a:p>
+          <a:p>
+            <a:pPr>
+              <a:buNone/>
+            </a:pPr>
+            <a:r>
+              <a:rPr lang="en-US" sz="6000" dirty="0" smtClean="0">
+                <a:solidFill>
+                  <a:srgbClr val="0000FF"/>
+                </a:solidFill>
+                <a:sym typeface="Euclid Symbol"/>
+              </a:rPr>
+              <a:t>          0</a:t>
+            </a:r>
+            <a:r>
+              <a:rPr lang="en-US" sz="6000" dirty="0" smtClean="0">
+                <a:sym typeface="Euclid Symbol"/>
+              </a:rPr>
+              <a:t>⋅</a:t>
+            </a:r>
+            <a:r>
+              <a:rPr lang="en-US" sz="6000" dirty="0" smtClean="0"/>
+              <a:t>Pr{</a:t>
+            </a:r>
+            <a:r>
+              <a:rPr lang="en-US" sz="6000" dirty="0" smtClean="0">
+                <a:solidFill>
+                  <a:srgbClr val="0000FF"/>
+                </a:solidFill>
+              </a:rPr>
+              <a:t>I=0</a:t>
+            </a:r>
+            <a:r>
+              <a:rPr lang="en-US" sz="6000" dirty="0" smtClean="0"/>
+              <a:t>}</a:t>
+            </a:r>
+          </a:p>
+          <a:p>
+            <a:pPr>
+              <a:buNone/>
+            </a:pPr>
+            <a:r>
+              <a:rPr lang="en-US" sz="6000" dirty="0" smtClean="0"/>
+              <a:t>        = </a:t>
+            </a:r>
+            <a:r>
+              <a:rPr lang="en-US" sz="6000" dirty="0" err="1" smtClean="0"/>
+              <a:t>Pr{</a:t>
+            </a:r>
+            <a:r>
+              <a:rPr lang="en-US" sz="6000" dirty="0" err="1" smtClean="0">
+                <a:solidFill>
+                  <a:srgbClr val="0000FF"/>
+                </a:solidFill>
+              </a:rPr>
+              <a:t>I</a:t>
+            </a:r>
+            <a:r>
+              <a:rPr lang="en-US" sz="6000" dirty="0" smtClean="0">
+                <a:solidFill>
+                  <a:srgbClr val="0000FF"/>
+                </a:solidFill>
+              </a:rPr>
+              <a:t>=1</a:t>
+            </a:r>
+            <a:r>
+              <a:rPr lang="en-US" sz="6000" dirty="0" smtClean="0"/>
+              <a:t>}</a:t>
+            </a:r>
+            <a:endParaRPr lang="en-US" sz="6000" dirty="0"/>
+          </a:p>
+        </p:txBody>
+      </p:sp>
+      <p:sp>
+        <p:nvSpPr>
+          <p:cNvPr id="8" name="Rectangle 2"/>
+          <p:cNvSpPr>
+            <a:spLocks noGrp="1" noChangeArrowheads="1"/>
+          </p:cNvSpPr>
+          <p:nvPr>
+            <p:ph type="title"/>
+          </p:nvPr>
+        </p:nvSpPr>
+        <p:spPr>
+          <a:xfrm>
+            <a:off x="1143000" y="152400"/>
+            <a:ext cx="7543800" cy="1066800"/>
+          </a:xfrm>
+        </p:spPr>
+        <p:txBody>
+          <a:bodyPr/>
+          <a:lstStyle/>
+          <a:p>
+            <a:pPr eaLnBrk="1" hangingPunct="1"/>
+            <a:r>
+              <a:rPr lang="en-US" sz="4400" dirty="0" smtClean="0">
+                <a:solidFill>
+                  <a:schemeClr val="tx1"/>
+                </a:solidFill>
+              </a:rPr>
+              <a:t>Expectation </a:t>
+            </a:r>
+            <a:r>
+              <a:rPr lang="en-US" sz="4400" dirty="0" smtClean="0"/>
+              <a:t>of indicator </a:t>
+            </a:r>
+            <a:r>
+              <a:rPr lang="en-US" sz="4400" dirty="0" smtClean="0">
+                <a:solidFill>
+                  <a:srgbClr val="0000FF"/>
+                </a:solidFill>
+              </a:rPr>
+              <a:t>I</a:t>
+            </a:r>
+          </a:p>
+        </p:txBody>
+      </p:sp>
+      <p:grpSp>
+        <p:nvGrpSpPr>
+          <p:cNvPr id="2" name="Group 9"/>
+          <p:cNvGrpSpPr/>
+          <p:nvPr/>
+        </p:nvGrpSpPr>
+        <p:grpSpPr>
+          <a:xfrm>
+            <a:off x="1295400" y="1219200"/>
+            <a:ext cx="5410200" cy="3505200"/>
+            <a:chOff x="1295400" y="1219200"/>
+            <a:chExt cx="5410200" cy="3505200"/>
+          </a:xfrm>
+        </p:grpSpPr>
+        <p:sp>
+          <p:nvSpPr>
+            <p:cNvPr id="6" name="Rectangle 5"/>
+            <p:cNvSpPr/>
+            <p:nvPr/>
+          </p:nvSpPr>
+          <p:spPr bwMode="auto">
+            <a:xfrm>
+              <a:off x="2971800" y="3505200"/>
+              <a:ext cx="3733800" cy="1219200"/>
+            </a:xfrm>
+            <a:prstGeom prst="rect">
+              <a:avLst/>
+            </a:prstGeom>
+            <a:noFill/>
+            <a:ln w="28575" cap="flat" cmpd="sng" algn="ctr">
+              <a:solidFill>
+                <a:srgbClr val="FF00FF"/>
+              </a:solidFill>
+              <a:prstDash val="solid"/>
+              <a:round/>
+              <a:headEnd type="none" w="med" len="med"/>
+              <a:tailEnd type="arrow" w="lg" len="lg"/>
+            </a:ln>
+            <a:effectLst/>
+          </p:spPr>
+          <p:txBody>
+            <a:bodyPr vert="horz" wrap="square" lIns="91440" tIns="45720" rIns="91440" bIns="45720" numCol="1" rtlCol="0" anchor="t" anchorCtr="0" compatLnSpc="1">
+              <a:prstTxWarp prst="textNoShape">
+                <a:avLst/>
+              </a:prstTxWarp>
+            </a:bodyPr>
+            <a:lstStyle/>
+            <a:p>
+              <a:pPr marL="0" marR="0" indent="0" algn="l" defTabSz="914400" rtl="0" eaLnBrk="1" fontAlgn="base" latinLnBrk="0" hangingPunct="1">
+                <a:lnSpc>
+                  <a:spcPct val="100000"/>
+                </a:lnSpc>
+                <a:spcBef>
+                  <a:spcPct val="0"/>
+                </a:spcBef>
+                <a:spcAft>
+                  <a:spcPct val="0"/>
+                </a:spcAft>
+                <a:buClrTx/>
+                <a:buSzTx/>
+                <a:buFontTx/>
+                <a:buNone/>
+                <a:tabLst/>
+              </a:pPr>
+              <a:endParaRPr kumimoji="0" lang="en-US" sz="3600" b="0" i="1" u="none" strike="noStrike" cap="none" normalizeH="0" baseline="0" smtClean="0">
+                <a:ln>
+                  <a:noFill/>
+                </a:ln>
+                <a:solidFill>
+                  <a:schemeClr val="tx1"/>
+                </a:solidFill>
+                <a:effectLst/>
+                <a:latin typeface="Times New Roman" pitchFamily="18" charset="0"/>
+              </a:endParaRPr>
+            </a:p>
+          </p:txBody>
+        </p:sp>
+        <p:sp>
+          <p:nvSpPr>
+            <p:cNvPr id="9" name="Rectangle 8"/>
+            <p:cNvSpPr/>
+            <p:nvPr/>
+          </p:nvSpPr>
+          <p:spPr bwMode="auto">
+            <a:xfrm>
+              <a:off x="1295400" y="1219200"/>
+              <a:ext cx="1752600" cy="1143000"/>
+            </a:xfrm>
+            <a:prstGeom prst="rect">
+              <a:avLst/>
+            </a:prstGeom>
+            <a:noFill/>
+            <a:ln w="28575" cap="flat" cmpd="sng" algn="ctr">
+              <a:solidFill>
+                <a:srgbClr val="FF00FF"/>
+              </a:solidFill>
+              <a:prstDash val="solid"/>
+              <a:round/>
+              <a:headEnd type="none" w="med" len="med"/>
+              <a:tailEnd type="arrow" w="lg" len="lg"/>
+            </a:ln>
+            <a:effectLst/>
+          </p:spPr>
+          <p:txBody>
+            <a:bodyPr vert="horz" wrap="square" lIns="91440" tIns="45720" rIns="91440" bIns="45720" numCol="1" rtlCol="0" anchor="t" anchorCtr="0" compatLnSpc="1">
+              <a:prstTxWarp prst="textNoShape">
+                <a:avLst/>
+              </a:prstTxWarp>
+            </a:bodyPr>
+            <a:lstStyle/>
+            <a:p>
+              <a:pPr marL="0" marR="0" indent="0" algn="l" defTabSz="914400" rtl="0" eaLnBrk="1" fontAlgn="base" latinLnBrk="0" hangingPunct="1">
+                <a:lnSpc>
+                  <a:spcPct val="100000"/>
+                </a:lnSpc>
+                <a:spcBef>
+                  <a:spcPct val="0"/>
+                </a:spcBef>
+                <a:spcAft>
+                  <a:spcPct val="0"/>
+                </a:spcAft>
+                <a:buClrTx/>
+                <a:buSzTx/>
+                <a:buFontTx/>
+                <a:buNone/>
+                <a:tabLst/>
+              </a:pPr>
+              <a:endParaRPr kumimoji="0" lang="en-US" sz="3600" b="0" i="1" u="none" strike="noStrike" cap="none" normalizeH="0" baseline="0" smtClean="0">
+                <a:ln>
+                  <a:noFill/>
+                </a:ln>
+                <a:solidFill>
+                  <a:schemeClr val="tx1"/>
+                </a:solidFill>
+                <a:effectLst/>
+                <a:latin typeface="Times New Roman" pitchFamily="18" charset="0"/>
+              </a:endParaRPr>
+            </a:p>
+          </p:txBody>
+        </p:sp>
+      </p:grpSp>
+      <p:sp>
+        <p:nvSpPr>
+          <p:cNvPr id="7" name="Slide Number Placeholder 3"/>
+          <p:cNvSpPr>
+            <a:spLocks noGrp="1"/>
+          </p:cNvSpPr>
+          <p:nvPr>
+            <p:ph type="sldNum" sz="quarter" idx="4294967295"/>
+          </p:nvPr>
+        </p:nvSpPr>
+        <p:spPr>
+          <a:xfrm>
+            <a:off x="7554913" y="6577965"/>
+            <a:ext cx="1527175" cy="244475"/>
+          </a:xfrm>
+          <a:prstGeom prst="rect">
+            <a:avLst/>
+          </a:prstGeom>
+        </p:spPr>
+        <p:txBody>
+          <a:bodyPr/>
+          <a:lstStyle/>
+          <a:p>
+            <a:pPr>
+              <a:defRPr/>
+            </a:pPr>
+            <a:r>
+              <a:rPr lang="en-US" sz="1200" dirty="0" err="1">
+                <a:latin typeface="Comic Sans MS"/>
+                <a:cs typeface="Comic Sans MS"/>
+              </a:rPr>
+              <a:t>lec</a:t>
+            </a:r>
+            <a:r>
+              <a:rPr lang="en-US" sz="1200" dirty="0" smtClean="0">
+                <a:latin typeface="Comic Sans MS"/>
+                <a:cs typeface="Comic Sans MS"/>
+              </a:rPr>
+              <a:t> 13W.</a:t>
+            </a:r>
+            <a:fld id="{93DA0692-DAF7-4AFE-9BE7-E02439D3694A}" type="slidenum">
+              <a:rPr lang="en-US" sz="1200" smtClean="0">
+                <a:latin typeface="Comic Sans MS"/>
+                <a:cs typeface="Comic Sans MS"/>
+              </a:rPr>
+              <a:pPr>
+                <a:defRPr/>
+              </a:pPr>
+              <a:t>22</a:t>
+            </a:fld>
+            <a:endParaRPr lang="en-US" sz="1200" dirty="0">
+              <a:latin typeface="Comic Sans MS"/>
+              <a:cs typeface="Comic Sans MS"/>
+            </a:endParaRPr>
+          </a:p>
+        </p:txBody>
+      </p:sp>
+    </p:spTree>
+  </p:cSld>
+  <p:clrMapOvr>
+    <a:masterClrMapping/>
+  </p:clrMapOvr>
+  <p:transition>
+    <p:fade/>
+  </p:transition>
+  <p:timing>
+    <p:tnLst>
+      <p:par>
+        <p:cTn id="1" dur="indefinite" restart="never" nodeType="tmRoot">
+          <p:childTnLst>
+            <p:seq concurrent="1" nextAc="seek">
+              <p:cTn id="2" dur="indefinite" nodeType="mainSeq">
+                <p:childTnLst>
+                  <p:par>
+                    <p:cTn id="3" fill="hold">
+                      <p:stCondLst>
+                        <p:cond delay="indefinite"/>
+                      </p:stCondLst>
+                      <p:childTnLst>
+                        <p:par>
+                          <p:cTn id="4" fill="hold">
+                            <p:stCondLst>
+                              <p:cond delay="0"/>
+                            </p:stCondLst>
+                            <p:childTnLst>
+                              <p:par>
+                                <p:cTn id="5" presetID="22" presetClass="entr" presetSubtype="8" fill="hold" nodeType="clickEffect">
+                                  <p:stCondLst>
+                                    <p:cond delay="0"/>
+                                  </p:stCondLst>
+                                  <p:childTnLst>
+                                    <p:set>
+                                      <p:cBhvr>
+                                        <p:cTn id="6" dur="1" fill="hold">
+                                          <p:stCondLst>
+                                            <p:cond delay="0"/>
+                                          </p:stCondLst>
+                                        </p:cTn>
+                                        <p:tgtEl>
+                                          <p:spTgt spid="3">
+                                            <p:txEl>
+                                              <p:pRg st="0" end="0"/>
+                                            </p:txEl>
+                                          </p:spTgt>
+                                        </p:tgtEl>
+                                        <p:attrNameLst>
+                                          <p:attrName>style.visibility</p:attrName>
+                                        </p:attrNameLst>
+                                      </p:cBhvr>
+                                      <p:to>
+                                        <p:strVal val="visible"/>
+                                      </p:to>
+                                    </p:set>
+                                    <p:animEffect transition="in" filter="wipe(left)">
+                                      <p:cBhvr>
+                                        <p:cTn id="7" dur="1000"/>
+                                        <p:tgtEl>
+                                          <p:spTgt spid="3">
+                                            <p:txEl>
+                                              <p:pRg st="0" end="0"/>
+                                            </p:txEl>
+                                          </p:spTgt>
+                                        </p:tgtEl>
+                                      </p:cBhvr>
+                                    </p:animEffect>
+                                  </p:childTnLst>
+                                </p:cTn>
+                              </p:par>
+                            </p:childTnLst>
+                          </p:cTn>
+                        </p:par>
+                        <p:par>
+                          <p:cTn id="8" fill="hold">
+                            <p:stCondLst>
+                              <p:cond delay="1000"/>
+                            </p:stCondLst>
+                            <p:childTnLst>
+                              <p:par>
+                                <p:cTn id="9" presetID="22" presetClass="entr" presetSubtype="8" fill="hold" nodeType="afterEffect">
+                                  <p:stCondLst>
+                                    <p:cond delay="0"/>
+                                  </p:stCondLst>
+                                  <p:childTnLst>
+                                    <p:set>
+                                      <p:cBhvr>
+                                        <p:cTn id="10" dur="1" fill="hold">
+                                          <p:stCondLst>
+                                            <p:cond delay="0"/>
+                                          </p:stCondLst>
+                                        </p:cTn>
+                                        <p:tgtEl>
+                                          <p:spTgt spid="3">
+                                            <p:txEl>
+                                              <p:pRg st="1" end="1"/>
+                                            </p:txEl>
+                                          </p:spTgt>
+                                        </p:tgtEl>
+                                        <p:attrNameLst>
+                                          <p:attrName>style.visibility</p:attrName>
+                                        </p:attrNameLst>
+                                      </p:cBhvr>
+                                      <p:to>
+                                        <p:strVal val="visible"/>
+                                      </p:to>
+                                    </p:set>
+                                    <p:animEffect transition="in" filter="wipe(left)">
+                                      <p:cBhvr>
+                                        <p:cTn id="11" dur="1000"/>
+                                        <p:tgtEl>
+                                          <p:spTgt spid="3">
+                                            <p:txEl>
+                                              <p:pRg st="1" end="1"/>
+                                            </p:txEl>
+                                          </p:spTgt>
+                                        </p:tgtEl>
+                                      </p:cBhvr>
+                                    </p:animEffect>
+                                  </p:childTnLst>
+                                </p:cTn>
+                              </p:par>
+                            </p:childTnLst>
+                          </p:cTn>
+                        </p:par>
+                        <p:par>
+                          <p:cTn id="12" fill="hold">
+                            <p:stCondLst>
+                              <p:cond delay="2000"/>
+                            </p:stCondLst>
+                            <p:childTnLst>
+                              <p:par>
+                                <p:cTn id="13" presetID="9" presetClass="entr" presetSubtype="0" fill="hold" nodeType="afterEffect">
+                                  <p:stCondLst>
+                                    <p:cond delay="0"/>
+                                  </p:stCondLst>
+                                  <p:childTnLst>
+                                    <p:set>
+                                      <p:cBhvr>
+                                        <p:cTn id="14" dur="1" fill="hold">
+                                          <p:stCondLst>
+                                            <p:cond delay="0"/>
+                                          </p:stCondLst>
+                                        </p:cTn>
+                                        <p:tgtEl>
+                                          <p:spTgt spid="3">
+                                            <p:txEl>
+                                              <p:pRg st="2" end="2"/>
+                                            </p:txEl>
+                                          </p:spTgt>
+                                        </p:tgtEl>
+                                        <p:attrNameLst>
+                                          <p:attrName>style.visibility</p:attrName>
+                                        </p:attrNameLst>
+                                      </p:cBhvr>
+                                      <p:to>
+                                        <p:strVal val="visible"/>
+                                      </p:to>
+                                    </p:set>
+                                    <p:animEffect transition="in" filter="dissolve">
+                                      <p:cBhvr>
+                                        <p:cTn id="15" dur="500"/>
+                                        <p:tgtEl>
+                                          <p:spTgt spid="3">
+                                            <p:txEl>
+                                              <p:pRg st="2" end="2"/>
+                                            </p:txEl>
+                                          </p:spTgt>
+                                        </p:tgtEl>
+                                      </p:cBhvr>
+                                    </p:animEffect>
+                                  </p:childTnLst>
+                                </p:cTn>
+                              </p:par>
+                            </p:childTnLst>
+                          </p:cTn>
+                        </p:par>
+                        <p:par>
+                          <p:cTn id="16" fill="hold">
+                            <p:stCondLst>
+                              <p:cond delay="2500"/>
+                            </p:stCondLst>
+                            <p:childTnLst>
+                              <p:par>
+                                <p:cTn id="17" presetID="15" presetClass="entr" presetSubtype="0" fill="hold" nodeType="afterEffect">
+                                  <p:stCondLst>
+                                    <p:cond delay="0"/>
+                                  </p:stCondLst>
+                                  <p:childTnLst>
+                                    <p:set>
+                                      <p:cBhvr>
+                                        <p:cTn id="18" dur="1" fill="hold">
+                                          <p:stCondLst>
+                                            <p:cond delay="0"/>
+                                          </p:stCondLst>
+                                        </p:cTn>
+                                        <p:tgtEl>
+                                          <p:spTgt spid="2"/>
+                                        </p:tgtEl>
+                                        <p:attrNameLst>
+                                          <p:attrName>style.visibility</p:attrName>
+                                        </p:attrNameLst>
+                                      </p:cBhvr>
+                                      <p:to>
+                                        <p:strVal val="visible"/>
+                                      </p:to>
+                                    </p:set>
+                                    <p:anim calcmode="lin" valueType="num">
+                                      <p:cBhvr>
+                                        <p:cTn id="19" dur="1000" fill="hold"/>
+                                        <p:tgtEl>
+                                          <p:spTgt spid="2"/>
+                                        </p:tgtEl>
+                                        <p:attrNameLst>
+                                          <p:attrName>ppt_w</p:attrName>
+                                        </p:attrNameLst>
+                                      </p:cBhvr>
+                                      <p:tavLst>
+                                        <p:tav tm="0">
+                                          <p:val>
+                                            <p:fltVal val="0"/>
+                                          </p:val>
+                                        </p:tav>
+                                        <p:tav tm="100000">
+                                          <p:val>
+                                            <p:strVal val="#ppt_w"/>
+                                          </p:val>
+                                        </p:tav>
+                                      </p:tavLst>
+                                    </p:anim>
+                                    <p:anim calcmode="lin" valueType="num">
+                                      <p:cBhvr>
+                                        <p:cTn id="20" dur="1000" fill="hold"/>
+                                        <p:tgtEl>
+                                          <p:spTgt spid="2"/>
+                                        </p:tgtEl>
+                                        <p:attrNameLst>
+                                          <p:attrName>ppt_h</p:attrName>
+                                        </p:attrNameLst>
+                                      </p:cBhvr>
+                                      <p:tavLst>
+                                        <p:tav tm="0">
+                                          <p:val>
+                                            <p:fltVal val="0"/>
+                                          </p:val>
+                                        </p:tav>
+                                        <p:tav tm="100000">
+                                          <p:val>
+                                            <p:strVal val="#ppt_h"/>
+                                          </p:val>
+                                        </p:tav>
+                                      </p:tavLst>
+                                    </p:anim>
+                                    <p:anim calcmode="lin" valueType="num">
+                                      <p:cBhvr>
+                                        <p:cTn id="21" dur="1000" fill="hold"/>
+                                        <p:tgtEl>
+                                          <p:spTgt spid="2"/>
+                                        </p:tgtEl>
+                                        <p:attrNameLst>
+                                          <p:attrName>ppt_x</p:attrName>
+                                        </p:attrNameLst>
+                                      </p:cBhvr>
+                                      <p:tavLst>
+                                        <p:tav tm="0" fmla="#ppt_x+(cos(-2*pi*(1-$))*-#ppt_x-sin(-2*pi*(1-$))*(1-#ppt_y))*(1-$)">
+                                          <p:val>
+                                            <p:fltVal val="0"/>
+                                          </p:val>
+                                        </p:tav>
+                                        <p:tav tm="100000">
+                                          <p:val>
+                                            <p:fltVal val="1"/>
+                                          </p:val>
+                                        </p:tav>
+                                      </p:tavLst>
+                                    </p:anim>
+                                    <p:anim calcmode="lin" valueType="num">
+                                      <p:cBhvr>
+                                        <p:cTn id="22" dur="1000" fill="hold"/>
+                                        <p:tgtEl>
+                                          <p:spTgt spid="2"/>
+                                        </p:tgtEl>
+                                        <p:attrNameLst>
+                                          <p:attrName>ppt_y</p:attrName>
+                                        </p:attrNameLst>
+                                      </p:cBhvr>
+                                      <p:tavLst>
+                                        <p:tav tm="0" fmla="#ppt_y+(sin(-2*pi*(1-$))*-#ppt_x+cos(-2*pi*(1-$))*(1-#ppt_y))*(1-$)">
+                                          <p:val>
+                                            <p:fltVal val="0"/>
+                                          </p:val>
+                                        </p:tav>
+                                        <p:tav tm="100000">
+                                          <p:val>
+                                            <p:fltVal val="1"/>
+                                          </p:val>
+                                        </p:tav>
+                                      </p:tavLst>
+                                    </p:anim>
+                                  </p:childTnLst>
+                                </p:cTn>
+                              </p:par>
+                            </p:childTnLst>
+                          </p:cTn>
+                        </p:par>
+                      </p:childTnLst>
+                    </p:cTn>
+                  </p:par>
+                </p:childTnLst>
+              </p:cTn>
+              <p:prevCondLst>
+                <p:cond evt="onPrev" delay="0">
+                  <p:tgtEl>
+                    <p:sldTgt/>
+                  </p:tgtEl>
+                </p:cond>
+              </p:prevCondLst>
+              <p:nextCondLst>
+                <p:cond evt="onNext" delay="0">
+                  <p:tgtEl>
+                    <p:sldTgt/>
+                  </p:tgtEl>
+                </p:cond>
+              </p:nextCondLst>
+            </p:seq>
+          </p:childTnLst>
+        </p:cTn>
+      </p:par>
+    </p:tnLst>
+  </p:timing>
+</p:sld>
+</file>
+
+<file path=ppt/slides/slide23.xml><?xml version="1.0" encoding="utf-8"?>
+<p:sld xmlns:a="http://schemas.openxmlformats.org/drawingml/2006/main" xmlns:r="http://schemas.openxmlformats.org/officeDocument/2006/relationships" xmlns:mc="http://schemas.openxmlformats.org/markup-compatibility/2006" xmlns:mv="urn:schemas-microsoft-com:mac:vml" xmlns:p="http://schemas.openxmlformats.org/presentationml/2006/main" mc:Ignorable="mv" mc:PreserveAttributes="mv:*">
+  <p:cSld>
+    <p:spTree>
+      <p:nvGrpSpPr>
+        <p:cNvPr id="1" name=""/>
+        <p:cNvGrpSpPr/>
+        <p:nvPr/>
+      </p:nvGrpSpPr>
+      <p:grpSpPr>
+        <a:xfrm>
+          <a:off x="0" y="0"/>
+          <a:ext cx="0" cy="0"/>
+          <a:chOff x="0" y="0"/>
+          <a:chExt cx="0" cy="0"/>
+        </a:xfrm>
+      </p:grpSpPr>
       <p:graphicFrame>
         <p:nvGraphicFramePr>
           <p:cNvPr id="5" name="Object 4"/>
@@ -13272,7 +13913,7 @@
               <a:pPr>
                 <a:defRPr/>
               </a:pPr>
-              <a:t>22</a:t>
+              <a:t>23</a:t>
             </a:fld>
             <a:endParaRPr lang="en-US" sz="1200" dirty="0">
               <a:latin typeface="Comic Sans MS"/>
@@ -13428,7 +14069,7 @@
 </p:sld>
 </file>
 
-<file path=ppt/slides/slide23.xml><?xml version="1.0" encoding="utf-8"?>
+<file path=ppt/slides/slide24.xml><?xml version="1.0" encoding="utf-8"?>
 <p:sld xmlns:a="http://schemas.openxmlformats.org/drawingml/2006/main" xmlns:r="http://schemas.openxmlformats.org/officeDocument/2006/relationships" xmlns:mc="http://schemas.openxmlformats.org/markup-compatibility/2006" xmlns:mv="urn:schemas-microsoft-com:mac:vml" xmlns:p="http://schemas.openxmlformats.org/presentationml/2006/main" mc:Ignorable="mv" mc:PreserveAttributes="mv:*" show="0">
   <p:cSld>
     <p:spTree>
@@ -13636,7 +14277,7 @@
               <a:pPr>
                 <a:defRPr/>
               </a:pPr>
-              <a:t>23</a:t>
+              <a:t>24</a:t>
             </a:fld>
             <a:endParaRPr lang="en-US" sz="1200" dirty="0">
               <a:latin typeface="Comic Sans MS"/>
@@ -13663,7 +14304,7 @@
 </p:sld>
 </file>
 
-<file path=ppt/slides/slide24.xml><?xml version="1.0" encoding="utf-8"?>
+<file path=ppt/slides/slide25.xml><?xml version="1.0" encoding="utf-8"?>
 <p:sld xmlns:a="http://schemas.openxmlformats.org/drawingml/2006/main" xmlns:r="http://schemas.openxmlformats.org/officeDocument/2006/relationships" xmlns:mc="http://schemas.openxmlformats.org/markup-compatibility/2006" xmlns:mv="urn:schemas-microsoft-com:mac:vml" xmlns:p="http://schemas.openxmlformats.org/presentationml/2006/main" mc:Ignorable="mv" mc:PreserveAttributes="mv:*" show="0">
   <p:cSld>
     <p:spTree>
@@ -13842,7 +14483,7 @@
               <a:pPr>
                 <a:defRPr/>
               </a:pPr>
-              <a:t>24</a:t>
+              <a:t>25</a:t>
             </a:fld>
             <a:endParaRPr lang="en-US" sz="1200" dirty="0">
               <a:latin typeface="Comic Sans MS"/>
@@ -13869,7 +14510,7 @@
 </p:sld>
 </file>
 
-<file path=ppt/slides/slide25.xml><?xml version="1.0" encoding="utf-8"?>
+<file path=ppt/slides/slide26.xml><?xml version="1.0" encoding="utf-8"?>
 <p:sld xmlns:a="http://schemas.openxmlformats.org/drawingml/2006/main" xmlns:r="http://schemas.openxmlformats.org/officeDocument/2006/relationships" xmlns:mc="http://schemas.openxmlformats.org/markup-compatibility/2006" xmlns:mv="urn:schemas-microsoft-com:mac:vml" xmlns:p="http://schemas.openxmlformats.org/presentationml/2006/main" mc:Ignorable="mv" mc:PreserveAttributes="mv:*">
   <p:cSld>
     <p:spTree>
@@ -14028,7 +14669,7 @@
               <a:pPr>
                 <a:defRPr/>
               </a:pPr>
-              <a:t>25</a:t>
+              <a:t>26</a:t>
             </a:fld>
             <a:endParaRPr lang="en-US" sz="1200" dirty="0">
               <a:latin typeface="Comic Sans MS"/>
@@ -14095,7 +14736,7 @@
 </p:sld>
 </file>
 
-<file path=ppt/slides/slide26.xml><?xml version="1.0" encoding="utf-8"?>
+<file path=ppt/slides/slide27.xml><?xml version="1.0" encoding="utf-8"?>
 <p:sld xmlns:a="http://schemas.openxmlformats.org/drawingml/2006/main" xmlns:r="http://schemas.openxmlformats.org/officeDocument/2006/relationships" xmlns:mc="http://schemas.openxmlformats.org/markup-compatibility/2006" xmlns:mv="urn:schemas-microsoft-com:mac:vml" xmlns:p="http://schemas.openxmlformats.org/presentationml/2006/main" mc:Ignorable="mv" mc:PreserveAttributes="mv:*" show="0">
   <p:cSld>
     <p:spTree>
@@ -14247,7 +14888,7 @@
               <a:pPr>
                 <a:defRPr/>
               </a:pPr>
-              <a:t>26</a:t>
+              <a:t>27</a:t>
             </a:fld>
             <a:endParaRPr lang="en-US" sz="1200" dirty="0">
               <a:latin typeface="Comic Sans MS"/>
@@ -14395,7 +15036,7 @@
 </p:sld>
 </file>
 
-<file path=ppt/slides/slide27.xml><?xml version="1.0" encoding="utf-8"?>
+<file path=ppt/slides/slide28.xml><?xml version="1.0" encoding="utf-8"?>
 <p:sld xmlns:a="http://schemas.openxmlformats.org/drawingml/2006/main" xmlns:r="http://schemas.openxmlformats.org/officeDocument/2006/relationships" xmlns:mc="http://schemas.openxmlformats.org/markup-compatibility/2006" xmlns:mv="urn:schemas-microsoft-com:mac:vml" xmlns:p="http://schemas.openxmlformats.org/presentationml/2006/main" mc:Ignorable="mv" mc:PreserveAttributes="mv:*" show="0">
   <p:cSld>
     <p:spTree>
@@ -14527,7 +15168,7 @@
               <a:pPr>
                 <a:defRPr/>
               </a:pPr>
-              <a:t>27</a:t>
+              <a:t>28</a:t>
             </a:fld>
             <a:endParaRPr lang="en-US" sz="1200" dirty="0">
               <a:latin typeface="Comic Sans MS"/>
@@ -14630,7 +15271,7 @@
 </p:sld>
 </file>
 
-<file path=ppt/slides/slide28.xml><?xml version="1.0" encoding="utf-8"?>
+<file path=ppt/slides/slide29.xml><?xml version="1.0" encoding="utf-8"?>
 <p:sld xmlns:a="http://schemas.openxmlformats.org/drawingml/2006/main" xmlns:r="http://schemas.openxmlformats.org/officeDocument/2006/relationships" xmlns:mc="http://schemas.openxmlformats.org/markup-compatibility/2006" xmlns:mv="urn:schemas-microsoft-com:mac:vml" xmlns:p="http://schemas.openxmlformats.org/presentationml/2006/main" mc:Ignorable="mv" mc:PreserveAttributes="mv:*" show="0">
   <p:cSld>
     <p:spTree>
@@ -14762,7 +15403,7 @@
               <a:pPr>
                 <a:defRPr/>
               </a:pPr>
-              <a:t>28</a:t>
+              <a:t>29</a:t>
             </a:fld>
             <a:endParaRPr lang="en-US" sz="1200" dirty="0">
               <a:latin typeface="Comic Sans MS"/>
@@ -14783,286 +15424,6 @@
     <p:tnLst>
       <p:par>
         <p:cTn id="1" dur="indefinite" restart="never" nodeType="tmRoot"/>
-      </p:par>
-    </p:tnLst>
-  </p:timing>
-</p:sld>
-</file>
-
-<file path=ppt/slides/slide29.xml><?xml version="1.0" encoding="utf-8"?>
-<p:sld xmlns:a="http://schemas.openxmlformats.org/drawingml/2006/main" xmlns:r="http://schemas.openxmlformats.org/officeDocument/2006/relationships" xmlns:mc="http://schemas.openxmlformats.org/markup-compatibility/2006" xmlns:mv="urn:schemas-microsoft-com:mac:vml" xmlns:p="http://schemas.openxmlformats.org/presentationml/2006/main" mc:Ignorable="mv" mc:PreserveAttributes="mv:*" show="0">
-  <p:cSld>
-    <p:spTree>
-      <p:nvGrpSpPr>
-        <p:cNvPr id="1" name=""/>
-        <p:cNvGrpSpPr/>
-        <p:nvPr/>
-      </p:nvGrpSpPr>
-      <p:grpSpPr>
-        <a:xfrm>
-          <a:off x="0" y="0"/>
-          <a:ext cx="0" cy="0"/>
-          <a:chOff x="0" y="0"/>
-          <a:chExt cx="0" cy="0"/>
-        </a:xfrm>
-      </p:grpSpPr>
-      <p:graphicFrame>
-        <p:nvGraphicFramePr>
-          <p:cNvPr id="149512" name="Object 8"/>
-          <p:cNvGraphicFramePr>
-            <a:graphicFrameLocks noChangeAspect="1"/>
-          </p:cNvGraphicFramePr>
-          <p:nvPr/>
-        </p:nvGraphicFramePr>
-        <p:xfrm>
-          <a:off x="1049338" y="2895600"/>
-          <a:ext cx="6951662" cy="1562100"/>
-        </p:xfrm>
-        <a:graphic>
-          <a:graphicData uri="http://schemas.openxmlformats.org/presentationml/2006/ole">
-            <p:oleObj spid="_x0000_s206851" name="Equation" r:id="rId4" imgW="2260440" imgH="507960" progId="Equation.DSMT4">
-              <p:embed/>
-            </p:oleObj>
-          </a:graphicData>
-        </a:graphic>
-      </p:graphicFrame>
-      <p:graphicFrame>
-        <p:nvGraphicFramePr>
-          <p:cNvPr id="152583" name="Object 7"/>
-          <p:cNvGraphicFramePr>
-            <a:graphicFrameLocks noChangeAspect="1"/>
-          </p:cNvGraphicFramePr>
-          <p:nvPr/>
-        </p:nvGraphicFramePr>
-        <p:xfrm>
-          <a:off x="1212850" y="2778991"/>
-          <a:ext cx="6718300" cy="1562100"/>
-        </p:xfrm>
-        <a:graphic>
-          <a:graphicData uri="http://schemas.openxmlformats.org/presentationml/2006/ole">
-            <p:oleObj spid="_x0000_s206852" name="Equation" r:id="rId5" imgW="2184400" imgH="508000" progId="Equation.DSMT4">
-              <p:embed/>
-            </p:oleObj>
-          </a:graphicData>
-        </a:graphic>
-      </p:graphicFrame>
-      <p:graphicFrame>
-        <p:nvGraphicFramePr>
-          <p:cNvPr id="5" name="Object 4"/>
-          <p:cNvGraphicFramePr>
-            <a:graphicFrameLocks noChangeAspect="1"/>
-          </p:cNvGraphicFramePr>
-          <p:nvPr/>
-        </p:nvGraphicFramePr>
-        <p:xfrm>
-          <a:off x="1838569" y="1266093"/>
-          <a:ext cx="5743575" cy="1676400"/>
-        </p:xfrm>
-        <a:graphic>
-          <a:graphicData uri="http://schemas.openxmlformats.org/presentationml/2006/ole">
-            <p:oleObj spid="_x0000_s206850" name="Equation" r:id="rId6" imgW="1739880" imgH="507960" progId="Equation.DSMT4">
-              <p:embed/>
-            </p:oleObj>
-          </a:graphicData>
-        </a:graphic>
-      </p:graphicFrame>
-      <p:sp>
-        <p:nvSpPr>
-          <p:cNvPr id="9" name="Rectangle 2"/>
-          <p:cNvSpPr>
-            <a:spLocks noGrp="1" noChangeArrowheads="1"/>
-          </p:cNvSpPr>
-          <p:nvPr>
-            <p:ph type="title"/>
-          </p:nvPr>
-        </p:nvSpPr>
-        <p:spPr>
-          <a:xfrm>
-            <a:off x="1600200" y="304800"/>
-            <a:ext cx="6019800" cy="1066800"/>
-          </a:xfrm>
-        </p:spPr>
-        <p:txBody>
-          <a:bodyPr/>
-          <a:lstStyle/>
-          <a:p>
-            <a:pPr eaLnBrk="1" hangingPunct="1"/>
-            <a:r>
-              <a:rPr lang="en-US" sz="4400" dirty="0" smtClean="0">
-                <a:solidFill>
-                  <a:schemeClr val="tx1"/>
-                </a:solidFill>
-              </a:rPr>
-              <a:t>Expected #Heads</a:t>
-            </a:r>
-          </a:p>
-        </p:txBody>
-      </p:sp>
-      <p:sp>
-        <p:nvSpPr>
-          <p:cNvPr id="7" name="Slide Number Placeholder 3"/>
-          <p:cNvSpPr>
-            <a:spLocks noGrp="1"/>
-          </p:cNvSpPr>
-          <p:nvPr>
-            <p:ph type="sldNum" sz="quarter" idx="4294967295"/>
-          </p:nvPr>
-        </p:nvSpPr>
-        <p:spPr>
-          <a:xfrm>
-            <a:off x="7554913" y="6577965"/>
-            <a:ext cx="1527175" cy="244475"/>
-          </a:xfrm>
-          <a:prstGeom prst="rect">
-            <a:avLst/>
-          </a:prstGeom>
-        </p:spPr>
-        <p:txBody>
-          <a:bodyPr/>
-          <a:lstStyle/>
-          <a:p>
-            <a:pPr>
-              <a:defRPr/>
-            </a:pPr>
-            <a:r>
-              <a:rPr lang="en-US" sz="1200" dirty="0" err="1">
-                <a:latin typeface="Comic Sans MS"/>
-                <a:cs typeface="Comic Sans MS"/>
-              </a:rPr>
-              <a:t>lec</a:t>
-            </a:r>
-            <a:r>
-              <a:rPr lang="en-US" sz="1200" dirty="0" smtClean="0">
-                <a:latin typeface="Comic Sans MS"/>
-                <a:cs typeface="Comic Sans MS"/>
-              </a:rPr>
-              <a:t> 13W.</a:t>
-            </a:r>
-            <a:fld id="{93DA0692-DAF7-4AFE-9BE7-E02439D3694A}" type="slidenum">
-              <a:rPr lang="en-US" sz="1200" smtClean="0">
-                <a:latin typeface="Comic Sans MS"/>
-                <a:cs typeface="Comic Sans MS"/>
-              </a:rPr>
-              <a:pPr>
-                <a:defRPr/>
-              </a:pPr>
-              <a:t>29</a:t>
-            </a:fld>
-            <a:endParaRPr lang="en-US" sz="1200" dirty="0">
-              <a:latin typeface="Comic Sans MS"/>
-              <a:cs typeface="Comic Sans MS"/>
-            </a:endParaRPr>
-          </a:p>
-        </p:txBody>
-      </p:sp>
-      <p:graphicFrame>
-        <p:nvGraphicFramePr>
-          <p:cNvPr id="152584" name="Object 8"/>
-          <p:cNvGraphicFramePr>
-            <a:graphicFrameLocks noChangeAspect="1"/>
-          </p:cNvGraphicFramePr>
-          <p:nvPr/>
-        </p:nvGraphicFramePr>
-        <p:xfrm>
-          <a:off x="2286000" y="4648200"/>
-          <a:ext cx="5013325" cy="1295400"/>
-        </p:xfrm>
-        <a:graphic>
-          <a:graphicData uri="http://schemas.openxmlformats.org/presentationml/2006/ole">
-            <p:oleObj spid="_x0000_s206853" name="Equation" r:id="rId7" imgW="1180800" imgH="304560" progId="Equation.DSMT4">
-              <p:embed/>
-            </p:oleObj>
-          </a:graphicData>
-        </a:graphic>
-      </p:graphicFrame>
-    </p:spTree>
-  </p:cSld>
-  <p:clrMapOvr>
-    <a:masterClrMapping/>
-  </p:clrMapOvr>
-  <p:transition spd="med">
-    <p:fade/>
-  </p:transition>
-  <p:timing>
-    <p:tnLst>
-      <p:par>
-        <p:cTn id="1" dur="indefinite" restart="never" nodeType="tmRoot">
-          <p:childTnLst>
-            <p:seq concurrent="1" nextAc="seek">
-              <p:cTn id="2" dur="indefinite" nodeType="mainSeq">
-                <p:childTnLst>
-                  <p:par>
-                    <p:cTn id="3" fill="hold">
-                      <p:stCondLst>
-                        <p:cond delay="indefinite"/>
-                      </p:stCondLst>
-                      <p:childTnLst>
-                        <p:par>
-                          <p:cTn id="4" fill="hold">
-                            <p:stCondLst>
-                              <p:cond delay="0"/>
-                            </p:stCondLst>
-                            <p:childTnLst>
-                              <p:par>
-                                <p:cTn id="5" presetID="22" presetClass="entr" presetSubtype="1" fill="hold" nodeType="clickEffect">
-                                  <p:stCondLst>
-                                    <p:cond delay="0"/>
-                                  </p:stCondLst>
-                                  <p:childTnLst>
-                                    <p:set>
-                                      <p:cBhvr>
-                                        <p:cTn id="6" dur="1" fill="hold">
-                                          <p:stCondLst>
-                                            <p:cond delay="0"/>
-                                          </p:stCondLst>
-                                        </p:cTn>
-                                        <p:tgtEl>
-                                          <p:spTgt spid="152584"/>
-                                        </p:tgtEl>
-                                        <p:attrNameLst>
-                                          <p:attrName>style.visibility</p:attrName>
-                                        </p:attrNameLst>
-                                      </p:cBhvr>
-                                      <p:to>
-                                        <p:strVal val="visible"/>
-                                      </p:to>
-                                    </p:set>
-                                    <p:animEffect transition="in" filter="wipe(up)">
-                                      <p:cBhvr>
-                                        <p:cTn id="7" dur="1000"/>
-                                        <p:tgtEl>
-                                          <p:spTgt spid="152584"/>
-                                        </p:tgtEl>
-                                      </p:cBhvr>
-                                    </p:animEffect>
-                                  </p:childTnLst>
-                                </p:cTn>
-                              </p:par>
-                            </p:childTnLst>
-                          </p:cTn>
-                        </p:par>
-                      </p:childTnLst>
-                    </p:cTn>
-                  </p:par>
-                </p:childTnLst>
-              </p:cTn>
-              <p:prevCondLst>
-                <p:cond evt="onPrev" delay="0">
-                  <p:tgtEl>
-                    <p:sldTgt/>
-                  </p:tgtEl>
-                </p:cond>
-              </p:prevCondLst>
-              <p:nextCondLst>
-                <p:cond evt="onNext" delay="0">
-                  <p:tgtEl>
-                    <p:sldTgt/>
-                  </p:tgtEl>
-                </p:cond>
-              </p:nextCondLst>
-            </p:seq>
-          </p:childTnLst>
-        </p:cTn>
       </p:par>
     </p:tnLst>
   </p:timing>
@@ -15625,6 +15986,286 @@
 </file>
 
 <file path=ppt/slides/slide30.xml><?xml version="1.0" encoding="utf-8"?>
+<p:sld xmlns:a="http://schemas.openxmlformats.org/drawingml/2006/main" xmlns:r="http://schemas.openxmlformats.org/officeDocument/2006/relationships" xmlns:mc="http://schemas.openxmlformats.org/markup-compatibility/2006" xmlns:mv="urn:schemas-microsoft-com:mac:vml" xmlns:p="http://schemas.openxmlformats.org/presentationml/2006/main" mc:Ignorable="mv" mc:PreserveAttributes="mv:*" show="0">
+  <p:cSld>
+    <p:spTree>
+      <p:nvGrpSpPr>
+        <p:cNvPr id="1" name=""/>
+        <p:cNvGrpSpPr/>
+        <p:nvPr/>
+      </p:nvGrpSpPr>
+      <p:grpSpPr>
+        <a:xfrm>
+          <a:off x="0" y="0"/>
+          <a:ext cx="0" cy="0"/>
+          <a:chOff x="0" y="0"/>
+          <a:chExt cx="0" cy="0"/>
+        </a:xfrm>
+      </p:grpSpPr>
+      <p:graphicFrame>
+        <p:nvGraphicFramePr>
+          <p:cNvPr id="149512" name="Object 8"/>
+          <p:cNvGraphicFramePr>
+            <a:graphicFrameLocks noChangeAspect="1"/>
+          </p:cNvGraphicFramePr>
+          <p:nvPr/>
+        </p:nvGraphicFramePr>
+        <p:xfrm>
+          <a:off x="1049338" y="2895600"/>
+          <a:ext cx="6951662" cy="1562100"/>
+        </p:xfrm>
+        <a:graphic>
+          <a:graphicData uri="http://schemas.openxmlformats.org/presentationml/2006/ole">
+            <p:oleObj spid="_x0000_s206851" name="Equation" r:id="rId4" imgW="2260440" imgH="507960" progId="Equation.DSMT4">
+              <p:embed/>
+            </p:oleObj>
+          </a:graphicData>
+        </a:graphic>
+      </p:graphicFrame>
+      <p:graphicFrame>
+        <p:nvGraphicFramePr>
+          <p:cNvPr id="152583" name="Object 7"/>
+          <p:cNvGraphicFramePr>
+            <a:graphicFrameLocks noChangeAspect="1"/>
+          </p:cNvGraphicFramePr>
+          <p:nvPr/>
+        </p:nvGraphicFramePr>
+        <p:xfrm>
+          <a:off x="1212850" y="2778991"/>
+          <a:ext cx="6718300" cy="1562100"/>
+        </p:xfrm>
+        <a:graphic>
+          <a:graphicData uri="http://schemas.openxmlformats.org/presentationml/2006/ole">
+            <p:oleObj spid="_x0000_s206852" name="Equation" r:id="rId5" imgW="2184400" imgH="508000" progId="Equation.DSMT4">
+              <p:embed/>
+            </p:oleObj>
+          </a:graphicData>
+        </a:graphic>
+      </p:graphicFrame>
+      <p:graphicFrame>
+        <p:nvGraphicFramePr>
+          <p:cNvPr id="5" name="Object 4"/>
+          <p:cNvGraphicFramePr>
+            <a:graphicFrameLocks noChangeAspect="1"/>
+          </p:cNvGraphicFramePr>
+          <p:nvPr/>
+        </p:nvGraphicFramePr>
+        <p:xfrm>
+          <a:off x="1838569" y="1266093"/>
+          <a:ext cx="5743575" cy="1676400"/>
+        </p:xfrm>
+        <a:graphic>
+          <a:graphicData uri="http://schemas.openxmlformats.org/presentationml/2006/ole">
+            <p:oleObj spid="_x0000_s206850" name="Equation" r:id="rId6" imgW="1739880" imgH="507960" progId="Equation.DSMT4">
+              <p:embed/>
+            </p:oleObj>
+          </a:graphicData>
+        </a:graphic>
+      </p:graphicFrame>
+      <p:sp>
+        <p:nvSpPr>
+          <p:cNvPr id="9" name="Rectangle 2"/>
+          <p:cNvSpPr>
+            <a:spLocks noGrp="1" noChangeArrowheads="1"/>
+          </p:cNvSpPr>
+          <p:nvPr>
+            <p:ph type="title"/>
+          </p:nvPr>
+        </p:nvSpPr>
+        <p:spPr>
+          <a:xfrm>
+            <a:off x="1600200" y="304800"/>
+            <a:ext cx="6019800" cy="1066800"/>
+          </a:xfrm>
+        </p:spPr>
+        <p:txBody>
+          <a:bodyPr/>
+          <a:lstStyle/>
+          <a:p>
+            <a:pPr eaLnBrk="1" hangingPunct="1"/>
+            <a:r>
+              <a:rPr lang="en-US" sz="4400" dirty="0" smtClean="0">
+                <a:solidFill>
+                  <a:schemeClr val="tx1"/>
+                </a:solidFill>
+              </a:rPr>
+              <a:t>Expected #Heads</a:t>
+            </a:r>
+          </a:p>
+        </p:txBody>
+      </p:sp>
+      <p:sp>
+        <p:nvSpPr>
+          <p:cNvPr id="7" name="Slide Number Placeholder 3"/>
+          <p:cNvSpPr>
+            <a:spLocks noGrp="1"/>
+          </p:cNvSpPr>
+          <p:nvPr>
+            <p:ph type="sldNum" sz="quarter" idx="4294967295"/>
+          </p:nvPr>
+        </p:nvSpPr>
+        <p:spPr>
+          <a:xfrm>
+            <a:off x="7554913" y="6577965"/>
+            <a:ext cx="1527175" cy="244475"/>
+          </a:xfrm>
+          <a:prstGeom prst="rect">
+            <a:avLst/>
+          </a:prstGeom>
+        </p:spPr>
+        <p:txBody>
+          <a:bodyPr/>
+          <a:lstStyle/>
+          <a:p>
+            <a:pPr>
+              <a:defRPr/>
+            </a:pPr>
+            <a:r>
+              <a:rPr lang="en-US" sz="1200" dirty="0" err="1">
+                <a:latin typeface="Comic Sans MS"/>
+                <a:cs typeface="Comic Sans MS"/>
+              </a:rPr>
+              <a:t>lec</a:t>
+            </a:r>
+            <a:r>
+              <a:rPr lang="en-US" sz="1200" dirty="0" smtClean="0">
+                <a:latin typeface="Comic Sans MS"/>
+                <a:cs typeface="Comic Sans MS"/>
+              </a:rPr>
+              <a:t> 13W.</a:t>
+            </a:r>
+            <a:fld id="{93DA0692-DAF7-4AFE-9BE7-E02439D3694A}" type="slidenum">
+              <a:rPr lang="en-US" sz="1200" smtClean="0">
+                <a:latin typeface="Comic Sans MS"/>
+                <a:cs typeface="Comic Sans MS"/>
+              </a:rPr>
+              <a:pPr>
+                <a:defRPr/>
+              </a:pPr>
+              <a:t>30</a:t>
+            </a:fld>
+            <a:endParaRPr lang="en-US" sz="1200" dirty="0">
+              <a:latin typeface="Comic Sans MS"/>
+              <a:cs typeface="Comic Sans MS"/>
+            </a:endParaRPr>
+          </a:p>
+        </p:txBody>
+      </p:sp>
+      <p:graphicFrame>
+        <p:nvGraphicFramePr>
+          <p:cNvPr id="152584" name="Object 8"/>
+          <p:cNvGraphicFramePr>
+            <a:graphicFrameLocks noChangeAspect="1"/>
+          </p:cNvGraphicFramePr>
+          <p:nvPr/>
+        </p:nvGraphicFramePr>
+        <p:xfrm>
+          <a:off x="2286000" y="4648200"/>
+          <a:ext cx="5013325" cy="1295400"/>
+        </p:xfrm>
+        <a:graphic>
+          <a:graphicData uri="http://schemas.openxmlformats.org/presentationml/2006/ole">
+            <p:oleObj spid="_x0000_s206853" name="Equation" r:id="rId7" imgW="1180800" imgH="304560" progId="Equation.DSMT4">
+              <p:embed/>
+            </p:oleObj>
+          </a:graphicData>
+        </a:graphic>
+      </p:graphicFrame>
+    </p:spTree>
+  </p:cSld>
+  <p:clrMapOvr>
+    <a:masterClrMapping/>
+  </p:clrMapOvr>
+  <p:transition spd="med">
+    <p:fade/>
+  </p:transition>
+  <p:timing>
+    <p:tnLst>
+      <p:par>
+        <p:cTn id="1" dur="indefinite" restart="never" nodeType="tmRoot">
+          <p:childTnLst>
+            <p:seq concurrent="1" nextAc="seek">
+              <p:cTn id="2" dur="indefinite" nodeType="mainSeq">
+                <p:childTnLst>
+                  <p:par>
+                    <p:cTn id="3" fill="hold">
+                      <p:stCondLst>
+                        <p:cond delay="indefinite"/>
+                      </p:stCondLst>
+                      <p:childTnLst>
+                        <p:par>
+                          <p:cTn id="4" fill="hold">
+                            <p:stCondLst>
+                              <p:cond delay="0"/>
+                            </p:stCondLst>
+                            <p:childTnLst>
+                              <p:par>
+                                <p:cTn id="5" presetID="22" presetClass="entr" presetSubtype="1" fill="hold" nodeType="clickEffect">
+                                  <p:stCondLst>
+                                    <p:cond delay="0"/>
+                                  </p:stCondLst>
+                                  <p:childTnLst>
+                                    <p:set>
+                                      <p:cBhvr>
+                                        <p:cTn id="6" dur="1" fill="hold">
+                                          <p:stCondLst>
+                                            <p:cond delay="0"/>
+                                          </p:stCondLst>
+                                        </p:cTn>
+                                        <p:tgtEl>
+                                          <p:spTgt spid="152584"/>
+                                        </p:tgtEl>
+                                        <p:attrNameLst>
+                                          <p:attrName>style.visibility</p:attrName>
+                                        </p:attrNameLst>
+                                      </p:cBhvr>
+                                      <p:to>
+                                        <p:strVal val="visible"/>
+                                      </p:to>
+                                    </p:set>
+                                    <p:animEffect transition="in" filter="wipe(up)">
+                                      <p:cBhvr>
+                                        <p:cTn id="7" dur="1000"/>
+                                        <p:tgtEl>
+                                          <p:spTgt spid="152584"/>
+                                        </p:tgtEl>
+                                      </p:cBhvr>
+                                    </p:animEffect>
+                                  </p:childTnLst>
+                                </p:cTn>
+                              </p:par>
+                            </p:childTnLst>
+                          </p:cTn>
+                        </p:par>
+                      </p:childTnLst>
+                    </p:cTn>
+                  </p:par>
+                </p:childTnLst>
+              </p:cTn>
+              <p:prevCondLst>
+                <p:cond evt="onPrev" delay="0">
+                  <p:tgtEl>
+                    <p:sldTgt/>
+                  </p:tgtEl>
+                </p:cond>
+              </p:prevCondLst>
+              <p:nextCondLst>
+                <p:cond evt="onNext" delay="0">
+                  <p:tgtEl>
+                    <p:sldTgt/>
+                  </p:tgtEl>
+                </p:cond>
+              </p:nextCondLst>
+            </p:seq>
+          </p:childTnLst>
+        </p:cTn>
+      </p:par>
+    </p:tnLst>
+  </p:timing>
+</p:sld>
+</file>
+
+<file path=ppt/slides/slide31.xml><?xml version="1.0" encoding="utf-8"?>
 <p:sld xmlns:a="http://schemas.openxmlformats.org/drawingml/2006/main" xmlns:r="http://schemas.openxmlformats.org/officeDocument/2006/relationships" xmlns:mc="http://schemas.openxmlformats.org/markup-compatibility/2006" xmlns:mv="urn:schemas-microsoft-com:mac:vml" xmlns:p="http://schemas.openxmlformats.org/presentationml/2006/main" mc:Ignorable="mv" mc:PreserveAttributes="mv:*">
   <p:cSld>
     <p:spTree>
@@ -15883,7 +16524,7 @@
               <a:pPr>
                 <a:defRPr/>
               </a:pPr>
-              <a:t>30</a:t>
+              <a:t>31</a:t>
             </a:fld>
             <a:endParaRPr lang="en-US" sz="1200" dirty="0">
               <a:latin typeface="Comic Sans MS"/>
@@ -16265,757 +16906,6 @@
       <p:bldP spid="6" grpId="0" animBg="1"/>
       <p:bldP spid="8" grpId="0"/>
     </p:bldLst>
-  </p:timing>
-</p:sld>
-</file>
-
-<file path=ppt/slides/slide31.xml><?xml version="1.0" encoding="utf-8"?>
-<p:sld xmlns:a="http://schemas.openxmlformats.org/drawingml/2006/main" xmlns:r="http://schemas.openxmlformats.org/officeDocument/2006/relationships" xmlns:mc="http://schemas.openxmlformats.org/markup-compatibility/2006" xmlns:mv="urn:schemas-microsoft-com:mac:vml" xmlns:p="http://schemas.openxmlformats.org/presentationml/2006/main" mc:Ignorable="mv" mc:PreserveAttributes="mv:*">
-  <p:cSld>
-    <p:spTree>
-      <p:nvGrpSpPr>
-        <p:cNvPr id="1" name=""/>
-        <p:cNvGrpSpPr/>
-        <p:nvPr/>
-      </p:nvGrpSpPr>
-      <p:grpSpPr>
-        <a:xfrm>
-          <a:off x="0" y="0"/>
-          <a:ext cx="0" cy="0"/>
-          <a:chOff x="0" y="0"/>
-          <a:chExt cx="0" cy="0"/>
-        </a:xfrm>
-      </p:grpSpPr>
-      <p:sp>
-        <p:nvSpPr>
-          <p:cNvPr id="3" name="Content Placeholder 2"/>
-          <p:cNvSpPr>
-            <a:spLocks noGrp="1"/>
-          </p:cNvSpPr>
-          <p:nvPr>
-            <p:ph idx="1"/>
-          </p:nvPr>
-        </p:nvSpPr>
-        <p:spPr>
-          <a:xfrm>
-            <a:off x="1295400" y="1295400"/>
-            <a:ext cx="6553200" cy="4572000"/>
-          </a:xfrm>
-        </p:spPr>
-        <p:txBody>
-          <a:bodyPr/>
-          <a:lstStyle/>
-          <a:p>
-            <a:pPr>
-              <a:buNone/>
-            </a:pPr>
-            <a:r>
-              <a:rPr lang="en-US" sz="6000" dirty="0" smtClean="0"/>
-              <a:t>E[</a:t>
-            </a:r>
-            <a:r>
-              <a:rPr lang="en-US" sz="6000" dirty="0" smtClean="0">
-                <a:solidFill>
-                  <a:srgbClr val="0000FF"/>
-                </a:solidFill>
-              </a:rPr>
-              <a:t>I</a:t>
-            </a:r>
-            <a:r>
-              <a:rPr lang="en-US" sz="6000" dirty="0" smtClean="0"/>
-              <a:t>] = </a:t>
-            </a:r>
-            <a:r>
-              <a:rPr lang="en-US" sz="6000" dirty="0" smtClean="0">
-                <a:solidFill>
-                  <a:srgbClr val="0000FF"/>
-                </a:solidFill>
-                <a:sym typeface="Euclid Symbol"/>
-              </a:rPr>
-              <a:t>1</a:t>
-            </a:r>
-            <a:r>
-              <a:rPr lang="en-US" sz="6000" dirty="0" smtClean="0">
-                <a:sym typeface="Euclid Symbol"/>
-              </a:rPr>
-              <a:t>⋅P</a:t>
-            </a:r>
-            <a:r>
-              <a:rPr lang="en-US" sz="6000" dirty="0" smtClean="0"/>
-              <a:t>r{</a:t>
-            </a:r>
-            <a:r>
-              <a:rPr lang="en-US" sz="6000" dirty="0" smtClean="0">
-                <a:solidFill>
-                  <a:srgbClr val="0000FF"/>
-                </a:solidFill>
-              </a:rPr>
-              <a:t>I=1</a:t>
-            </a:r>
-            <a:r>
-              <a:rPr lang="en-US" sz="6000" dirty="0" smtClean="0"/>
-              <a:t>}</a:t>
-            </a:r>
-            <a:r>
-              <a:rPr lang="en-US" sz="6000" dirty="0" smtClean="0">
-                <a:solidFill>
-                  <a:srgbClr val="0000FF"/>
-                </a:solidFill>
-                <a:sym typeface="Euclid Symbol"/>
-              </a:rPr>
-              <a:t> </a:t>
-            </a:r>
-            <a:r>
-              <a:rPr lang="en-US" sz="6000" dirty="0" smtClean="0">
-                <a:sym typeface="Euclid Symbol"/>
-              </a:rPr>
-              <a:t>+</a:t>
-            </a:r>
-          </a:p>
-          <a:p>
-            <a:pPr>
-              <a:buNone/>
-            </a:pPr>
-            <a:r>
-              <a:rPr lang="en-US" sz="6000" dirty="0" smtClean="0">
-                <a:solidFill>
-                  <a:srgbClr val="0000FF"/>
-                </a:solidFill>
-                <a:sym typeface="Euclid Symbol"/>
-              </a:rPr>
-              <a:t>          0</a:t>
-            </a:r>
-            <a:r>
-              <a:rPr lang="en-US" sz="6000" dirty="0" smtClean="0">
-                <a:sym typeface="Euclid Symbol"/>
-              </a:rPr>
-              <a:t>⋅</a:t>
-            </a:r>
-            <a:r>
-              <a:rPr lang="en-US" sz="6000" dirty="0" smtClean="0"/>
-              <a:t>Pr{</a:t>
-            </a:r>
-            <a:r>
-              <a:rPr lang="en-US" sz="6000" dirty="0" smtClean="0">
-                <a:solidFill>
-                  <a:srgbClr val="0000FF"/>
-                </a:solidFill>
-              </a:rPr>
-              <a:t>I=0</a:t>
-            </a:r>
-            <a:r>
-              <a:rPr lang="en-US" sz="6000" dirty="0" smtClean="0"/>
-              <a:t>}</a:t>
-            </a:r>
-          </a:p>
-          <a:p>
-            <a:pPr>
-              <a:buNone/>
-            </a:pPr>
-            <a:r>
-              <a:rPr lang="en-US" sz="6000" dirty="0" smtClean="0"/>
-              <a:t>        = </a:t>
-            </a:r>
-            <a:r>
-              <a:rPr lang="en-US" sz="6000" dirty="0" err="1" smtClean="0"/>
-              <a:t>Pr{</a:t>
-            </a:r>
-            <a:r>
-              <a:rPr lang="en-US" sz="6000" dirty="0" err="1" smtClean="0">
-                <a:solidFill>
-                  <a:srgbClr val="0000FF"/>
-                </a:solidFill>
-              </a:rPr>
-              <a:t>I</a:t>
-            </a:r>
-            <a:r>
-              <a:rPr lang="en-US" sz="6000" dirty="0" smtClean="0">
-                <a:solidFill>
-                  <a:srgbClr val="0000FF"/>
-                </a:solidFill>
-              </a:rPr>
-              <a:t>=1</a:t>
-            </a:r>
-            <a:r>
-              <a:rPr lang="en-US" sz="6000" dirty="0" smtClean="0"/>
-              <a:t>}</a:t>
-            </a:r>
-            <a:endParaRPr lang="en-US" sz="6000" dirty="0"/>
-          </a:p>
-        </p:txBody>
-      </p:sp>
-      <p:sp>
-        <p:nvSpPr>
-          <p:cNvPr id="8" name="Rectangle 2"/>
-          <p:cNvSpPr>
-            <a:spLocks noGrp="1" noChangeArrowheads="1"/>
-          </p:cNvSpPr>
-          <p:nvPr>
-            <p:ph type="title"/>
-          </p:nvPr>
-        </p:nvSpPr>
-        <p:spPr>
-          <a:xfrm>
-            <a:off x="1143000" y="152400"/>
-            <a:ext cx="7543800" cy="1066800"/>
-          </a:xfrm>
-        </p:spPr>
-        <p:txBody>
-          <a:bodyPr/>
-          <a:lstStyle/>
-          <a:p>
-            <a:pPr eaLnBrk="1" hangingPunct="1"/>
-            <a:r>
-              <a:rPr lang="en-US" sz="4400" dirty="0" smtClean="0">
-                <a:solidFill>
-                  <a:schemeClr val="tx1"/>
-                </a:solidFill>
-              </a:rPr>
-              <a:t>Expectation </a:t>
-            </a:r>
-            <a:r>
-              <a:rPr lang="en-US" sz="4400" dirty="0" smtClean="0"/>
-              <a:t>of indicator </a:t>
-            </a:r>
-            <a:r>
-              <a:rPr lang="en-US" sz="4400" dirty="0" smtClean="0">
-                <a:solidFill>
-                  <a:srgbClr val="0000FF"/>
-                </a:solidFill>
-              </a:rPr>
-              <a:t>I</a:t>
-            </a:r>
-          </a:p>
-        </p:txBody>
-      </p:sp>
-      <p:grpSp>
-        <p:nvGrpSpPr>
-          <p:cNvPr id="2" name="Group 9"/>
-          <p:cNvGrpSpPr/>
-          <p:nvPr/>
-        </p:nvGrpSpPr>
-        <p:grpSpPr>
-          <a:xfrm>
-            <a:off x="1295400" y="1219200"/>
-            <a:ext cx="5410200" cy="3505200"/>
-            <a:chOff x="1295400" y="1219200"/>
-            <a:chExt cx="5410200" cy="3505200"/>
-          </a:xfrm>
-        </p:grpSpPr>
-        <p:sp>
-          <p:nvSpPr>
-            <p:cNvPr id="6" name="Rectangle 5"/>
-            <p:cNvSpPr/>
-            <p:nvPr/>
-          </p:nvSpPr>
-          <p:spPr bwMode="auto">
-            <a:xfrm>
-              <a:off x="2971800" y="3505200"/>
-              <a:ext cx="3733800" cy="1219200"/>
-            </a:xfrm>
-            <a:prstGeom prst="rect">
-              <a:avLst/>
-            </a:prstGeom>
-            <a:noFill/>
-            <a:ln w="28575" cap="flat" cmpd="sng" algn="ctr">
-              <a:solidFill>
-                <a:srgbClr val="FF00FF"/>
-              </a:solidFill>
-              <a:prstDash val="solid"/>
-              <a:round/>
-              <a:headEnd type="none" w="med" len="med"/>
-              <a:tailEnd type="arrow" w="lg" len="lg"/>
-            </a:ln>
-            <a:effectLst/>
-          </p:spPr>
-          <p:txBody>
-            <a:bodyPr vert="horz" wrap="square" lIns="91440" tIns="45720" rIns="91440" bIns="45720" numCol="1" rtlCol="0" anchor="t" anchorCtr="0" compatLnSpc="1">
-              <a:prstTxWarp prst="textNoShape">
-                <a:avLst/>
-              </a:prstTxWarp>
-            </a:bodyPr>
-            <a:lstStyle/>
-            <a:p>
-              <a:pPr marL="0" marR="0" indent="0" algn="l" defTabSz="914400" rtl="0" eaLnBrk="1" fontAlgn="base" latinLnBrk="0" hangingPunct="1">
-                <a:lnSpc>
-                  <a:spcPct val="100000"/>
-                </a:lnSpc>
-                <a:spcBef>
-                  <a:spcPct val="0"/>
-                </a:spcBef>
-                <a:spcAft>
-                  <a:spcPct val="0"/>
-                </a:spcAft>
-                <a:buClrTx/>
-                <a:buSzTx/>
-                <a:buFontTx/>
-                <a:buNone/>
-                <a:tabLst/>
-              </a:pPr>
-              <a:endParaRPr kumimoji="0" lang="en-US" sz="3600" b="0" i="1" u="none" strike="noStrike" cap="none" normalizeH="0" baseline="0" smtClean="0">
-                <a:ln>
-                  <a:noFill/>
-                </a:ln>
-                <a:solidFill>
-                  <a:schemeClr val="tx1"/>
-                </a:solidFill>
-                <a:effectLst/>
-                <a:latin typeface="Times New Roman" pitchFamily="18" charset="0"/>
-              </a:endParaRPr>
-            </a:p>
-          </p:txBody>
-        </p:sp>
-        <p:sp>
-          <p:nvSpPr>
-            <p:cNvPr id="9" name="Rectangle 8"/>
-            <p:cNvSpPr/>
-            <p:nvPr/>
-          </p:nvSpPr>
-          <p:spPr bwMode="auto">
-            <a:xfrm>
-              <a:off x="1295400" y="1219200"/>
-              <a:ext cx="1752600" cy="1143000"/>
-            </a:xfrm>
-            <a:prstGeom prst="rect">
-              <a:avLst/>
-            </a:prstGeom>
-            <a:noFill/>
-            <a:ln w="28575" cap="flat" cmpd="sng" algn="ctr">
-              <a:solidFill>
-                <a:srgbClr val="FF00FF"/>
-              </a:solidFill>
-              <a:prstDash val="solid"/>
-              <a:round/>
-              <a:headEnd type="none" w="med" len="med"/>
-              <a:tailEnd type="arrow" w="lg" len="lg"/>
-            </a:ln>
-            <a:effectLst/>
-          </p:spPr>
-          <p:txBody>
-            <a:bodyPr vert="horz" wrap="square" lIns="91440" tIns="45720" rIns="91440" bIns="45720" numCol="1" rtlCol="0" anchor="t" anchorCtr="0" compatLnSpc="1">
-              <a:prstTxWarp prst="textNoShape">
-                <a:avLst/>
-              </a:prstTxWarp>
-            </a:bodyPr>
-            <a:lstStyle/>
-            <a:p>
-              <a:pPr marL="0" marR="0" indent="0" algn="l" defTabSz="914400" rtl="0" eaLnBrk="1" fontAlgn="base" latinLnBrk="0" hangingPunct="1">
-                <a:lnSpc>
-                  <a:spcPct val="100000"/>
-                </a:lnSpc>
-                <a:spcBef>
-                  <a:spcPct val="0"/>
-                </a:spcBef>
-                <a:spcAft>
-                  <a:spcPct val="0"/>
-                </a:spcAft>
-                <a:buClrTx/>
-                <a:buSzTx/>
-                <a:buFontTx/>
-                <a:buNone/>
-                <a:tabLst/>
-              </a:pPr>
-              <a:endParaRPr kumimoji="0" lang="en-US" sz="3600" b="0" i="1" u="none" strike="noStrike" cap="none" normalizeH="0" baseline="0" smtClean="0">
-                <a:ln>
-                  <a:noFill/>
-                </a:ln>
-                <a:solidFill>
-                  <a:schemeClr val="tx1"/>
-                </a:solidFill>
-                <a:effectLst/>
-                <a:latin typeface="Times New Roman" pitchFamily="18" charset="0"/>
-              </a:endParaRPr>
-            </a:p>
-          </p:txBody>
-        </p:sp>
-      </p:grpSp>
-      <p:sp>
-        <p:nvSpPr>
-          <p:cNvPr id="7" name="Slide Number Placeholder 3"/>
-          <p:cNvSpPr>
-            <a:spLocks noGrp="1"/>
-          </p:cNvSpPr>
-          <p:nvPr>
-            <p:ph type="sldNum" sz="quarter" idx="4294967295"/>
-          </p:nvPr>
-        </p:nvSpPr>
-        <p:spPr>
-          <a:xfrm>
-            <a:off x="7554913" y="6577965"/>
-            <a:ext cx="1527175" cy="244475"/>
-          </a:xfrm>
-          <a:prstGeom prst="rect">
-            <a:avLst/>
-          </a:prstGeom>
-        </p:spPr>
-        <p:txBody>
-          <a:bodyPr/>
-          <a:lstStyle/>
-          <a:p>
-            <a:pPr>
-              <a:defRPr/>
-            </a:pPr>
-            <a:r>
-              <a:rPr lang="en-US" sz="1200" dirty="0" err="1">
-                <a:latin typeface="Comic Sans MS"/>
-                <a:cs typeface="Comic Sans MS"/>
-              </a:rPr>
-              <a:t>lec</a:t>
-            </a:r>
-            <a:r>
-              <a:rPr lang="en-US" sz="1200" dirty="0" smtClean="0">
-                <a:latin typeface="Comic Sans MS"/>
-                <a:cs typeface="Comic Sans MS"/>
-              </a:rPr>
-              <a:t> 13W.</a:t>
-            </a:r>
-            <a:fld id="{93DA0692-DAF7-4AFE-9BE7-E02439D3694A}" type="slidenum">
-              <a:rPr lang="en-US" sz="1200" smtClean="0">
-                <a:latin typeface="Comic Sans MS"/>
-                <a:cs typeface="Comic Sans MS"/>
-              </a:rPr>
-              <a:pPr>
-                <a:defRPr/>
-              </a:pPr>
-              <a:t>31</a:t>
-            </a:fld>
-            <a:endParaRPr lang="en-US" sz="1200" dirty="0">
-              <a:latin typeface="Comic Sans MS"/>
-              <a:cs typeface="Comic Sans MS"/>
-            </a:endParaRPr>
-          </a:p>
-        </p:txBody>
-      </p:sp>
-    </p:spTree>
-  </p:cSld>
-  <p:clrMapOvr>
-    <a:masterClrMapping/>
-  </p:clrMapOvr>
-  <p:transition>
-    <p:fade/>
-  </p:transition>
-  <p:timing>
-    <p:tnLst>
-      <p:par>
-        <p:cTn id="1" dur="indefinite" restart="never" nodeType="tmRoot">
-          <p:childTnLst>
-            <p:seq concurrent="1" nextAc="seek">
-              <p:cTn id="2" dur="indefinite" nodeType="mainSeq">
-                <p:childTnLst>
-                  <p:par>
-                    <p:cTn id="3" fill="hold">
-                      <p:stCondLst>
-                        <p:cond delay="indefinite"/>
-                      </p:stCondLst>
-                      <p:childTnLst>
-                        <p:par>
-                          <p:cTn id="4" fill="hold">
-                            <p:stCondLst>
-                              <p:cond delay="0"/>
-                            </p:stCondLst>
-                            <p:childTnLst>
-                              <p:par>
-                                <p:cTn id="5" presetID="22" presetClass="entr" presetSubtype="8" fill="hold" nodeType="clickEffect">
-                                  <p:stCondLst>
-                                    <p:cond delay="0"/>
-                                  </p:stCondLst>
-                                  <p:childTnLst>
-                                    <p:set>
-                                      <p:cBhvr>
-                                        <p:cTn id="6" dur="1" fill="hold">
-                                          <p:stCondLst>
-                                            <p:cond delay="0"/>
-                                          </p:stCondLst>
-                                        </p:cTn>
-                                        <p:tgtEl>
-                                          <p:spTgt spid="3">
-                                            <p:txEl>
-                                              <p:pRg st="0" end="0"/>
-                                            </p:txEl>
-                                          </p:spTgt>
-                                        </p:tgtEl>
-                                        <p:attrNameLst>
-                                          <p:attrName>style.visibility</p:attrName>
-                                        </p:attrNameLst>
-                                      </p:cBhvr>
-                                      <p:to>
-                                        <p:strVal val="visible"/>
-                                      </p:to>
-                                    </p:set>
-                                    <p:animEffect transition="in" filter="wipe(left)">
-                                      <p:cBhvr>
-                                        <p:cTn id="7" dur="1000"/>
-                                        <p:tgtEl>
-                                          <p:spTgt spid="3">
-                                            <p:txEl>
-                                              <p:pRg st="0" end="0"/>
-                                            </p:txEl>
-                                          </p:spTgt>
-                                        </p:tgtEl>
-                                      </p:cBhvr>
-                                    </p:animEffect>
-                                  </p:childTnLst>
-                                </p:cTn>
-                              </p:par>
-                            </p:childTnLst>
-                          </p:cTn>
-                        </p:par>
-                        <p:par>
-                          <p:cTn id="8" fill="hold">
-                            <p:stCondLst>
-                              <p:cond delay="1000"/>
-                            </p:stCondLst>
-                            <p:childTnLst>
-                              <p:par>
-                                <p:cTn id="9" presetID="22" presetClass="entr" presetSubtype="8" fill="hold" nodeType="afterEffect">
-                                  <p:stCondLst>
-                                    <p:cond delay="0"/>
-                                  </p:stCondLst>
-                                  <p:childTnLst>
-                                    <p:set>
-                                      <p:cBhvr>
-                                        <p:cTn id="10" dur="1" fill="hold">
-                                          <p:stCondLst>
-                                            <p:cond delay="0"/>
-                                          </p:stCondLst>
-                                        </p:cTn>
-                                        <p:tgtEl>
-                                          <p:spTgt spid="3">
-                                            <p:txEl>
-                                              <p:pRg st="1" end="1"/>
-                                            </p:txEl>
-                                          </p:spTgt>
-                                        </p:tgtEl>
-                                        <p:attrNameLst>
-                                          <p:attrName>style.visibility</p:attrName>
-                                        </p:attrNameLst>
-                                      </p:cBhvr>
-                                      <p:to>
-                                        <p:strVal val="visible"/>
-                                      </p:to>
-                                    </p:set>
-                                    <p:animEffect transition="in" filter="wipe(left)">
-                                      <p:cBhvr>
-                                        <p:cTn id="11" dur="1000"/>
-                                        <p:tgtEl>
-                                          <p:spTgt spid="3">
-                                            <p:txEl>
-                                              <p:pRg st="1" end="1"/>
-                                            </p:txEl>
-                                          </p:spTgt>
-                                        </p:tgtEl>
-                                      </p:cBhvr>
-                                    </p:animEffect>
-                                  </p:childTnLst>
-                                </p:cTn>
-                              </p:par>
-                            </p:childTnLst>
-                          </p:cTn>
-                        </p:par>
-                        <p:par>
-                          <p:cTn id="12" fill="hold">
-                            <p:stCondLst>
-                              <p:cond delay="2000"/>
-                            </p:stCondLst>
-                            <p:childTnLst>
-                              <p:par>
-                                <p:cTn id="13" presetID="9" presetClass="entr" presetSubtype="0" fill="hold" nodeType="afterEffect">
-                                  <p:stCondLst>
-                                    <p:cond delay="0"/>
-                                  </p:stCondLst>
-                                  <p:childTnLst>
-                                    <p:set>
-                                      <p:cBhvr>
-                                        <p:cTn id="14" dur="1" fill="hold">
-                                          <p:stCondLst>
-                                            <p:cond delay="0"/>
-                                          </p:stCondLst>
-                                        </p:cTn>
-                                        <p:tgtEl>
-                                          <p:spTgt spid="3">
-                                            <p:txEl>
-                                              <p:pRg st="2" end="2"/>
-                                            </p:txEl>
-                                          </p:spTgt>
-                                        </p:tgtEl>
-                                        <p:attrNameLst>
-                                          <p:attrName>style.visibility</p:attrName>
-                                        </p:attrNameLst>
-                                      </p:cBhvr>
-                                      <p:to>
-                                        <p:strVal val="visible"/>
-                                      </p:to>
-                                    </p:set>
-                                    <p:animEffect transition="in" filter="dissolve">
-                                      <p:cBhvr>
-                                        <p:cTn id="15" dur="500"/>
-                                        <p:tgtEl>
-                                          <p:spTgt spid="3">
-                                            <p:txEl>
-                                              <p:pRg st="2" end="2"/>
-                                            </p:txEl>
-                                          </p:spTgt>
-                                        </p:tgtEl>
-                                      </p:cBhvr>
-                                    </p:animEffect>
-                                  </p:childTnLst>
-                                </p:cTn>
-                              </p:par>
-                            </p:childTnLst>
-                          </p:cTn>
-                        </p:par>
-                        <p:par>
-                          <p:cTn id="16" fill="hold">
-                            <p:stCondLst>
-                              <p:cond delay="2500"/>
-                            </p:stCondLst>
-                            <p:childTnLst>
-                              <p:par>
-                                <p:cTn id="17" presetID="15" presetClass="entr" presetSubtype="0" fill="hold" nodeType="afterEffect">
-                                  <p:stCondLst>
-                                    <p:cond delay="0"/>
-                                  </p:stCondLst>
-                                  <p:childTnLst>
-                                    <p:set>
-                                      <p:cBhvr>
-                                        <p:cTn id="18" dur="1" fill="hold">
-                                          <p:stCondLst>
-                                            <p:cond delay="0"/>
-                                          </p:stCondLst>
-                                        </p:cTn>
-                                        <p:tgtEl>
-                                          <p:spTgt spid="2"/>
-                                        </p:tgtEl>
-                                        <p:attrNameLst>
-                                          <p:attrName>style.visibility</p:attrName>
-                                        </p:attrNameLst>
-                                      </p:cBhvr>
-                                      <p:to>
-                                        <p:strVal val="visible"/>
-                                      </p:to>
-                                    </p:set>
-                                    <p:anim calcmode="lin" valueType="num">
-                                      <p:cBhvr>
-                                        <p:cTn id="19" dur="1000" fill="hold"/>
-                                        <p:tgtEl>
-                                          <p:spTgt spid="2"/>
-                                        </p:tgtEl>
-                                        <p:attrNameLst>
-                                          <p:attrName>ppt_w</p:attrName>
-                                        </p:attrNameLst>
-                                      </p:cBhvr>
-                                      <p:tavLst>
-                                        <p:tav tm="0">
-                                          <p:val>
-                                            <p:fltVal val="0"/>
-                                          </p:val>
-                                        </p:tav>
-                                        <p:tav tm="100000">
-                                          <p:val>
-                                            <p:strVal val="#ppt_w"/>
-                                          </p:val>
-                                        </p:tav>
-                                      </p:tavLst>
-                                    </p:anim>
-                                    <p:anim calcmode="lin" valueType="num">
-                                      <p:cBhvr>
-                                        <p:cTn id="20" dur="1000" fill="hold"/>
-                                        <p:tgtEl>
-                                          <p:spTgt spid="2"/>
-                                        </p:tgtEl>
-                                        <p:attrNameLst>
-                                          <p:attrName>ppt_h</p:attrName>
-                                        </p:attrNameLst>
-                                      </p:cBhvr>
-                                      <p:tavLst>
-                                        <p:tav tm="0">
-                                          <p:val>
-                                            <p:fltVal val="0"/>
-                                          </p:val>
-                                        </p:tav>
-                                        <p:tav tm="100000">
-                                          <p:val>
-                                            <p:strVal val="#ppt_h"/>
-                                          </p:val>
-                                        </p:tav>
-                                      </p:tavLst>
-                                    </p:anim>
-                                    <p:anim calcmode="lin" valueType="num">
-                                      <p:cBhvr>
-                                        <p:cTn id="21" dur="1000" fill="hold"/>
-                                        <p:tgtEl>
-                                          <p:spTgt spid="2"/>
-                                        </p:tgtEl>
-                                        <p:attrNameLst>
-                                          <p:attrName>ppt_x</p:attrName>
-                                        </p:attrNameLst>
-                                      </p:cBhvr>
-                                      <p:tavLst>
-                                        <p:tav tm="0" fmla="#ppt_x+(cos(-2*pi*(1-$))*-#ppt_x-sin(-2*pi*(1-$))*(1-#ppt_y))*(1-$)">
-                                          <p:val>
-                                            <p:fltVal val="0"/>
-                                          </p:val>
-                                        </p:tav>
-                                        <p:tav tm="100000">
-                                          <p:val>
-                                            <p:fltVal val="1"/>
-                                          </p:val>
-                                        </p:tav>
-                                      </p:tavLst>
-                                    </p:anim>
-                                    <p:anim calcmode="lin" valueType="num">
-                                      <p:cBhvr>
-                                        <p:cTn id="22" dur="1000" fill="hold"/>
-                                        <p:tgtEl>
-                                          <p:spTgt spid="2"/>
-                                        </p:tgtEl>
-                                        <p:attrNameLst>
-                                          <p:attrName>ppt_y</p:attrName>
-                                        </p:attrNameLst>
-                                      </p:cBhvr>
-                                      <p:tavLst>
-                                        <p:tav tm="0" fmla="#ppt_y+(sin(-2*pi*(1-$))*-#ppt_x+cos(-2*pi*(1-$))*(1-#ppt_y))*(1-$)">
-                                          <p:val>
-                                            <p:fltVal val="0"/>
-                                          </p:val>
-                                        </p:tav>
-                                        <p:tav tm="100000">
-                                          <p:val>
-                                            <p:fltVal val="1"/>
-                                          </p:val>
-                                        </p:tav>
-                                      </p:tavLst>
-                                    </p:anim>
-                                  </p:childTnLst>
-                                </p:cTn>
-                              </p:par>
-                            </p:childTnLst>
-                          </p:cTn>
-                        </p:par>
-                      </p:childTnLst>
-                    </p:cTn>
-                  </p:par>
-                </p:childTnLst>
-              </p:cTn>
-              <p:prevCondLst>
-                <p:cond evt="onPrev" delay="0">
-                  <p:tgtEl>
-                    <p:sldTgt/>
-                  </p:tgtEl>
-                </p:cond>
-              </p:prevCondLst>
-              <p:nextCondLst>
-                <p:cond evt="onNext" delay="0">
-                  <p:tgtEl>
-                    <p:sldTgt/>
-                  </p:tgtEl>
-                </p:cond>
-              </p:nextCondLst>
-            </p:seq>
-          </p:childTnLst>
-        </p:cTn>
-      </p:par>
-    </p:tnLst>
   </p:timing>
 </p:sld>
 </file>
@@ -24503,6 +24393,567 @@
 </file>
 
 <file path=ppt/slides/slide40.xml><?xml version="1.0" encoding="utf-8"?>
+<p:sld xmlns:a="http://schemas.openxmlformats.org/drawingml/2006/main" xmlns:r="http://schemas.openxmlformats.org/officeDocument/2006/relationships" xmlns:mc="http://schemas.openxmlformats.org/markup-compatibility/2006" xmlns:mv="urn:schemas-microsoft-com:mac:vml" xmlns:p="http://schemas.openxmlformats.org/presentationml/2006/main" mc:Ignorable="mv" mc:PreserveAttributes="mv:*">
+  <p:cSld>
+    <p:spTree>
+      <p:nvGrpSpPr>
+        <p:cNvPr id="1" name=""/>
+        <p:cNvGrpSpPr/>
+        <p:nvPr/>
+      </p:nvGrpSpPr>
+      <p:grpSpPr>
+        <a:xfrm>
+          <a:off x="0" y="0"/>
+          <a:ext cx="0" cy="0"/>
+          <a:chOff x="0" y="0"/>
+          <a:chExt cx="0" cy="0"/>
+        </a:xfrm>
+      </p:grpSpPr>
+      <p:sp>
+        <p:nvSpPr>
+          <p:cNvPr id="27650" name="Rectangle 2"/>
+          <p:cNvSpPr>
+            <a:spLocks noGrp="1" noChangeArrowheads="1"/>
+          </p:cNvSpPr>
+          <p:nvPr>
+            <p:ph type="title"/>
+          </p:nvPr>
+        </p:nvSpPr>
+        <p:spPr/>
+        <p:txBody>
+          <a:bodyPr/>
+          <a:lstStyle/>
+          <a:p>
+            <a:pPr eaLnBrk="1" hangingPunct="1"/>
+            <a:r>
+              <a:rPr lang="en-US" sz="3600" smtClean="0"/>
+              <a:t>Mean Time to Failure</a:t>
+            </a:r>
+          </a:p>
+        </p:txBody>
+      </p:sp>
+      <p:sp>
+        <p:nvSpPr>
+          <p:cNvPr id="626691" name="Text Box 3"/>
+          <p:cNvSpPr txBox="1">
+            <a:spLocks noChangeArrowheads="1"/>
+          </p:cNvSpPr>
+          <p:nvPr/>
+        </p:nvSpPr>
+        <p:spPr bwMode="auto">
+          <a:xfrm>
+            <a:off x="685800" y="1755775"/>
+            <a:ext cx="8239280" cy="4462760"/>
+          </a:xfrm>
+          <a:prstGeom prst="rect">
+            <a:avLst/>
+          </a:prstGeom>
+          <a:noFill/>
+          <a:ln w="28575">
+            <a:noFill/>
+            <a:miter lim="800000"/>
+            <a:headEnd/>
+            <a:tailEnd type="none" w="lg" len="lg"/>
+          </a:ln>
+        </p:spPr>
+        <p:txBody>
+          <a:bodyPr wrap="none">
+            <a:spAutoFit/>
+          </a:bodyPr>
+          <a:lstStyle/>
+          <a:p>
+            <a:r>
+              <a:rPr lang="en-US" sz="4000" dirty="0">
+                <a:latin typeface="Comic Sans MS" pitchFamily="66" charset="0"/>
+              </a:rPr>
+              <a:t>application:</a:t>
+            </a:r>
+            <a:r>
+              <a:rPr lang="en-US" sz="4400" i="0" dirty="0" smtClean="0">
+                <a:latin typeface="Comic Sans MS" pitchFamily="66" charset="0"/>
+              </a:rPr>
+              <a:t> if space </a:t>
+            </a:r>
+            <a:r>
+              <a:rPr lang="en-US" sz="4400" i="0" dirty="0">
+                <a:latin typeface="Comic Sans MS" pitchFamily="66" charset="0"/>
+              </a:rPr>
+              <a:t>station Mir</a:t>
+            </a:r>
+            <a:endParaRPr lang="en-US" sz="4400" i="0" dirty="0" smtClean="0">
+              <a:latin typeface="Comic Sans MS" pitchFamily="66" charset="0"/>
+            </a:endParaRPr>
+          </a:p>
+          <a:p>
+            <a:r>
+              <a:rPr lang="en-US" sz="4400" i="0" dirty="0" smtClean="0">
+                <a:latin typeface="Comic Sans MS" pitchFamily="66" charset="0"/>
+              </a:rPr>
+              <a:t>has </a:t>
+            </a:r>
+            <a:r>
+              <a:rPr lang="en-US" sz="4400" i="0" dirty="0">
+                <a:solidFill>
+                  <a:srgbClr val="0000FF"/>
+                </a:solidFill>
+                <a:latin typeface="Comic Sans MS" pitchFamily="66" charset="0"/>
+              </a:rPr>
+              <a:t>1/150,000</a:t>
+            </a:r>
+            <a:r>
+              <a:rPr lang="en-US" sz="4400" i="0" dirty="0">
+                <a:latin typeface="Comic Sans MS" pitchFamily="66" charset="0"/>
+              </a:rPr>
+              <a:t> chance of</a:t>
+            </a:r>
+          </a:p>
+          <a:p>
+            <a:r>
+              <a:rPr lang="en-US" sz="4400" i="0" dirty="0">
+                <a:latin typeface="Comic Sans MS" pitchFamily="66" charset="0"/>
+              </a:rPr>
+              <a:t>exploding in any given </a:t>
+            </a:r>
+            <a:r>
+              <a:rPr lang="en-US" sz="4400" i="0" dirty="0" smtClean="0">
+                <a:latin typeface="Comic Sans MS" pitchFamily="66" charset="0"/>
+              </a:rPr>
+              <a:t>hour,</a:t>
+            </a:r>
+          </a:p>
+          <a:p>
+            <a:r>
+              <a:rPr lang="en-US" sz="4400" dirty="0">
+                <a:latin typeface="Comic Sans MS" pitchFamily="66" charset="0"/>
+              </a:rPr>
+              <a:t>a</a:t>
+            </a:r>
+            <a:r>
+              <a:rPr lang="en-US" sz="4400" i="0" dirty="0" smtClean="0">
+                <a:latin typeface="Comic Sans MS" pitchFamily="66" charset="0"/>
+              </a:rPr>
+              <a:t>fter </a:t>
+            </a:r>
+            <a:r>
+              <a:rPr lang="en-US" sz="4400" i="0" dirty="0">
+                <a:latin typeface="Comic Sans MS" pitchFamily="66" charset="0"/>
+              </a:rPr>
+              <a:t>how may hours </a:t>
+            </a:r>
+            <a:r>
+              <a:rPr lang="en-US" sz="4400" i="0" dirty="0" smtClean="0">
+                <a:latin typeface="Comic Sans MS" pitchFamily="66" charset="0"/>
+              </a:rPr>
+              <a:t>do</a:t>
+            </a:r>
+            <a:endParaRPr lang="en-US" sz="4400" i="0" dirty="0">
+              <a:latin typeface="Comic Sans MS" pitchFamily="66" charset="0"/>
+            </a:endParaRPr>
+          </a:p>
+          <a:p>
+            <a:r>
+              <a:rPr lang="en-US" sz="4400" i="0" dirty="0">
+                <a:latin typeface="Comic Sans MS" pitchFamily="66" charset="0"/>
+              </a:rPr>
+              <a:t>we expect it to explode?</a:t>
+            </a:r>
+          </a:p>
+          <a:p>
+            <a:pPr>
+              <a:spcBef>
+                <a:spcPts val="2400"/>
+              </a:spcBef>
+            </a:pPr>
+            <a:r>
+              <a:rPr lang="en-US" sz="4400" i="0" dirty="0">
+                <a:latin typeface="Comic Sans MS" pitchFamily="66" charset="0"/>
+              </a:rPr>
+              <a:t>   </a:t>
+            </a:r>
+            <a:r>
+              <a:rPr lang="en-US" sz="4400" i="0" dirty="0">
+                <a:solidFill>
+                  <a:srgbClr val="0000FF"/>
+                </a:solidFill>
+                <a:latin typeface="Comic Sans MS" pitchFamily="66" charset="0"/>
+              </a:rPr>
+              <a:t>150,000</a:t>
+            </a:r>
+            <a:r>
+              <a:rPr lang="en-US" sz="4400" i="0" dirty="0">
+                <a:latin typeface="Comic Sans MS" pitchFamily="66" charset="0"/>
+              </a:rPr>
+              <a:t> hours</a:t>
+            </a:r>
+            <a:r>
+              <a:rPr lang="en-US" sz="4400" i="0" dirty="0" smtClean="0">
+                <a:latin typeface="Comic Sans MS" pitchFamily="66" charset="0"/>
+              </a:rPr>
+              <a:t> </a:t>
+            </a:r>
+            <a:r>
+              <a:rPr lang="en-US" sz="4400" b="1" i="0" dirty="0" smtClean="0">
+                <a:latin typeface="Euclid Symbol" charset="2"/>
+                <a:cs typeface="Euclid Symbol" charset="2"/>
+                <a:sym typeface="Euclid Symbol" pitchFamily="18" charset="2"/>
+              </a:rPr>
+              <a:t>≈</a:t>
+            </a:r>
+            <a:r>
+              <a:rPr lang="en-US" sz="4400" i="0" dirty="0" smtClean="0">
+                <a:latin typeface="Comic Sans MS" pitchFamily="66" charset="0"/>
+                <a:sym typeface="Euclid Symbol" pitchFamily="18" charset="2"/>
+              </a:rPr>
+              <a:t> </a:t>
+            </a:r>
+            <a:r>
+              <a:rPr lang="en-US" sz="4400" i="0" dirty="0">
+                <a:latin typeface="Comic Sans MS" pitchFamily="66" charset="0"/>
+                <a:sym typeface="Euclid Symbol" pitchFamily="18" charset="2"/>
+              </a:rPr>
+              <a:t>17 years</a:t>
+            </a:r>
+          </a:p>
+        </p:txBody>
+      </p:sp>
+      <p:pic>
+        <p:nvPicPr>
+          <p:cNvPr id="27652" name="Picture 4" descr="j0215086"/>
+          <p:cNvPicPr>
+            <a:picLocks noChangeAspect="1" noChangeArrowheads="1"/>
+          </p:cNvPicPr>
+          <p:nvPr/>
+        </p:nvPicPr>
+        <p:blipFill>
+          <a:blip r:embed="rId3" cstate="print"/>
+          <a:srcRect/>
+          <a:stretch>
+            <a:fillRect/>
+          </a:stretch>
+        </p:blipFill>
+        <p:spPr bwMode="auto">
+          <a:xfrm rot="-5400000">
+            <a:off x="6870700" y="-393700"/>
+            <a:ext cx="1660525" cy="2600325"/>
+          </a:xfrm>
+          <a:prstGeom prst="rect">
+            <a:avLst/>
+          </a:prstGeom>
+          <a:noFill/>
+          <a:ln w="9525">
+            <a:noFill/>
+            <a:miter lim="800000"/>
+            <a:headEnd/>
+            <a:tailEnd/>
+          </a:ln>
+        </p:spPr>
+      </p:pic>
+      <p:sp>
+        <p:nvSpPr>
+          <p:cNvPr id="5" name="Slide Number Placeholder 3"/>
+          <p:cNvSpPr>
+            <a:spLocks noGrp="1"/>
+          </p:cNvSpPr>
+          <p:nvPr>
+            <p:ph type="sldNum" sz="quarter" idx="4294967295"/>
+          </p:nvPr>
+        </p:nvSpPr>
+        <p:spPr>
+          <a:xfrm>
+            <a:off x="7554913" y="6587734"/>
+            <a:ext cx="1527175" cy="244475"/>
+          </a:xfrm>
+          <a:prstGeom prst="rect">
+            <a:avLst/>
+          </a:prstGeom>
+        </p:spPr>
+        <p:txBody>
+          <a:bodyPr/>
+          <a:lstStyle/>
+          <a:p>
+            <a:pPr>
+              <a:defRPr/>
+            </a:pPr>
+            <a:r>
+              <a:rPr lang="en-US" sz="1200" dirty="0" err="1">
+                <a:latin typeface="Comic Sans MS"/>
+                <a:cs typeface="Comic Sans MS"/>
+              </a:rPr>
+              <a:t>lec</a:t>
+            </a:r>
+            <a:r>
+              <a:rPr lang="en-US" sz="1200" dirty="0" smtClean="0">
+                <a:latin typeface="Comic Sans MS"/>
+                <a:cs typeface="Comic Sans MS"/>
+              </a:rPr>
+              <a:t> 13W.</a:t>
+            </a:r>
+            <a:fld id="{93DA0692-DAF7-4AFE-9BE7-E02439D3694A}" type="slidenum">
+              <a:rPr lang="en-US" sz="1200" smtClean="0">
+                <a:latin typeface="Comic Sans MS"/>
+                <a:cs typeface="Comic Sans MS"/>
+              </a:rPr>
+              <a:pPr>
+                <a:defRPr/>
+              </a:pPr>
+              <a:t>40</a:t>
+            </a:fld>
+            <a:endParaRPr lang="en-US" sz="1200" dirty="0">
+              <a:latin typeface="Comic Sans MS"/>
+              <a:cs typeface="Comic Sans MS"/>
+            </a:endParaRPr>
+          </a:p>
+        </p:txBody>
+      </p:sp>
+    </p:spTree>
+  </p:cSld>
+  <p:clrMapOvr>
+    <a:masterClrMapping/>
+  </p:clrMapOvr>
+  <p:transition/>
+  <p:timing>
+    <p:tnLst>
+      <p:par>
+        <p:cTn id="1" dur="indefinite" restart="never" nodeType="tmRoot">
+          <p:childTnLst>
+            <p:seq concurrent="1" nextAc="seek">
+              <p:cTn id="2" dur="indefinite" nodeType="mainSeq">
+                <p:childTnLst>
+                  <p:par>
+                    <p:cTn id="3" fill="hold">
+                      <p:stCondLst>
+                        <p:cond delay="indefinite"/>
+                      </p:stCondLst>
+                      <p:childTnLst>
+                        <p:par>
+                          <p:cTn id="4" fill="hold">
+                            <p:stCondLst>
+                              <p:cond delay="0"/>
+                            </p:stCondLst>
+                            <p:childTnLst>
+                              <p:par>
+                                <p:cTn id="5" presetID="1" presetClass="entr" presetSubtype="0" fill="hold" nodeType="clickEffect">
+                                  <p:stCondLst>
+                                    <p:cond delay="0"/>
+                                  </p:stCondLst>
+                                  <p:childTnLst>
+                                    <p:set>
+                                      <p:cBhvr>
+                                        <p:cTn id="6" dur="1" fill="hold">
+                                          <p:stCondLst>
+                                            <p:cond delay="0"/>
+                                          </p:stCondLst>
+                                        </p:cTn>
+                                        <p:tgtEl>
+                                          <p:spTgt spid="626691">
+                                            <p:txEl>
+                                              <p:pRg st="1" end="1"/>
+                                            </p:txEl>
+                                          </p:spTgt>
+                                        </p:tgtEl>
+                                        <p:attrNameLst>
+                                          <p:attrName>style.visibility</p:attrName>
+                                        </p:attrNameLst>
+                                      </p:cBhvr>
+                                      <p:to>
+                                        <p:strVal val="visible"/>
+                                      </p:to>
+                                    </p:set>
+                                  </p:childTnLst>
+                                </p:cTn>
+                              </p:par>
+                              <p:par>
+                                <p:cTn id="7" presetID="1" presetClass="entr" presetSubtype="0" fill="hold" nodeType="withEffect">
+                                  <p:stCondLst>
+                                    <p:cond delay="0"/>
+                                  </p:stCondLst>
+                                  <p:childTnLst>
+                                    <p:set>
+                                      <p:cBhvr>
+                                        <p:cTn id="8" dur="1" fill="hold">
+                                          <p:stCondLst>
+                                            <p:cond delay="0"/>
+                                          </p:stCondLst>
+                                        </p:cTn>
+                                        <p:tgtEl>
+                                          <p:spTgt spid="626691">
+                                            <p:txEl>
+                                              <p:pRg st="2" end="2"/>
+                                            </p:txEl>
+                                          </p:spTgt>
+                                        </p:tgtEl>
+                                        <p:attrNameLst>
+                                          <p:attrName>style.visibility</p:attrName>
+                                        </p:attrNameLst>
+                                      </p:cBhvr>
+                                      <p:to>
+                                        <p:strVal val="visible"/>
+                                      </p:to>
+                                    </p:set>
+                                  </p:childTnLst>
+                                </p:cTn>
+                              </p:par>
+                            </p:childTnLst>
+                          </p:cTn>
+                        </p:par>
+                      </p:childTnLst>
+                    </p:cTn>
+                  </p:par>
+                  <p:par>
+                    <p:cTn id="9" fill="hold">
+                      <p:stCondLst>
+                        <p:cond delay="indefinite"/>
+                      </p:stCondLst>
+                      <p:childTnLst>
+                        <p:par>
+                          <p:cTn id="10" fill="hold">
+                            <p:stCondLst>
+                              <p:cond delay="0"/>
+                            </p:stCondLst>
+                            <p:childTnLst>
+                              <p:par>
+                                <p:cTn id="11" presetID="1" presetClass="entr" presetSubtype="0" fill="hold" nodeType="clickEffect">
+                                  <p:stCondLst>
+                                    <p:cond delay="0"/>
+                                  </p:stCondLst>
+                                  <p:childTnLst>
+                                    <p:set>
+                                      <p:cBhvr>
+                                        <p:cTn id="12" dur="1" fill="hold">
+                                          <p:stCondLst>
+                                            <p:cond delay="0"/>
+                                          </p:stCondLst>
+                                        </p:cTn>
+                                        <p:tgtEl>
+                                          <p:spTgt spid="626691">
+                                            <p:txEl>
+                                              <p:pRg st="3" end="3"/>
+                                            </p:txEl>
+                                          </p:spTgt>
+                                        </p:tgtEl>
+                                        <p:attrNameLst>
+                                          <p:attrName>style.visibility</p:attrName>
+                                        </p:attrNameLst>
+                                      </p:cBhvr>
+                                      <p:to>
+                                        <p:strVal val="visible"/>
+                                      </p:to>
+                                    </p:set>
+                                  </p:childTnLst>
+                                </p:cTn>
+                              </p:par>
+                              <p:par>
+                                <p:cTn id="13" presetID="1" presetClass="entr" presetSubtype="0" fill="hold" nodeType="withEffect">
+                                  <p:stCondLst>
+                                    <p:cond delay="0"/>
+                                  </p:stCondLst>
+                                  <p:childTnLst>
+                                    <p:set>
+                                      <p:cBhvr>
+                                        <p:cTn id="14" dur="1" fill="hold">
+                                          <p:stCondLst>
+                                            <p:cond delay="0"/>
+                                          </p:stCondLst>
+                                        </p:cTn>
+                                        <p:tgtEl>
+                                          <p:spTgt spid="626691">
+                                            <p:txEl>
+                                              <p:pRg st="4" end="4"/>
+                                            </p:txEl>
+                                          </p:spTgt>
+                                        </p:tgtEl>
+                                        <p:attrNameLst>
+                                          <p:attrName>style.visibility</p:attrName>
+                                        </p:attrNameLst>
+                                      </p:cBhvr>
+                                      <p:to>
+                                        <p:strVal val="visible"/>
+                                      </p:to>
+                                    </p:set>
+                                  </p:childTnLst>
+                                </p:cTn>
+                              </p:par>
+                            </p:childTnLst>
+                          </p:cTn>
+                        </p:par>
+                      </p:childTnLst>
+                    </p:cTn>
+                  </p:par>
+                  <p:par>
+                    <p:cTn id="15" fill="hold">
+                      <p:stCondLst>
+                        <p:cond delay="indefinite"/>
+                      </p:stCondLst>
+                      <p:childTnLst>
+                        <p:par>
+                          <p:cTn id="16" fill="hold">
+                            <p:stCondLst>
+                              <p:cond delay="0"/>
+                            </p:stCondLst>
+                            <p:childTnLst>
+                              <p:par>
+                                <p:cTn id="17" presetID="1" presetClass="entr" presetSubtype="0" fill="hold" nodeType="clickEffect">
+                                  <p:stCondLst>
+                                    <p:cond delay="0"/>
+                                  </p:stCondLst>
+                                  <p:childTnLst>
+                                    <p:set>
+                                      <p:cBhvr>
+                                        <p:cTn id="18" dur="1" fill="hold">
+                                          <p:stCondLst>
+                                            <p:cond delay="0"/>
+                                          </p:stCondLst>
+                                        </p:cTn>
+                                        <p:tgtEl>
+                                          <p:spTgt spid="626691">
+                                            <p:txEl>
+                                              <p:pRg st="5" end="5"/>
+                                            </p:txEl>
+                                          </p:spTgt>
+                                        </p:tgtEl>
+                                        <p:attrNameLst>
+                                          <p:attrName>style.visibility</p:attrName>
+                                        </p:attrNameLst>
+                                      </p:cBhvr>
+                                      <p:to>
+                                        <p:strVal val="visible"/>
+                                      </p:to>
+                                    </p:set>
+                                  </p:childTnLst>
+                                </p:cTn>
+                              </p:par>
+                            </p:childTnLst>
+                          </p:cTn>
+                        </p:par>
+                      </p:childTnLst>
+                    </p:cTn>
+                  </p:par>
+                </p:childTnLst>
+              </p:cTn>
+              <p:prevCondLst>
+                <p:cond evt="onPrev" delay="0">
+                  <p:tgtEl>
+                    <p:sldTgt/>
+                  </p:tgtEl>
+                </p:cond>
+              </p:prevCondLst>
+              <p:nextCondLst>
+                <p:cond evt="onNext" delay="0">
+                  <p:tgtEl>
+                    <p:sldTgt/>
+                  </p:tgtEl>
+                </p:cond>
+              </p:nextCondLst>
+            </p:seq>
+          </p:childTnLst>
+        </p:cTn>
+      </p:par>
+    </p:tnLst>
+  </p:timing>
+</p:sld>
+</file>
+
+<file path=ppt/slides/slide41.xml><?xml version="1.0" encoding="utf-8"?>
 <p:sld xmlns:a="http://schemas.openxmlformats.org/drawingml/2006/main" xmlns:r="http://schemas.openxmlformats.org/officeDocument/2006/relationships" xmlns:mc="http://schemas.openxmlformats.org/markup-compatibility/2006" xmlns:mv="urn:schemas-microsoft-com:mac:vml" xmlns:p="http://schemas.openxmlformats.org/presentationml/2006/main" mc:Ignorable="mv" mc:PreserveAttributes="mv:*" show="0">
   <p:cSld>
     <p:spTree>
@@ -24878,7 +25329,7 @@
               <a:pPr>
                 <a:defRPr/>
               </a:pPr>
-              <a:t>40</a:t>
+              <a:t>41</a:t>
             </a:fld>
             <a:endParaRPr lang="en-US" sz="1200" dirty="0">
               <a:latin typeface="Comic Sans MS"/>
@@ -25338,7 +25789,7 @@
 </p:sld>
 </file>
 
-<file path=ppt/slides/slide41.xml><?xml version="1.0" encoding="utf-8"?>
+<file path=ppt/slides/slide42.xml><?xml version="1.0" encoding="utf-8"?>
 <p:sld xmlns:a="http://schemas.openxmlformats.org/drawingml/2006/main" xmlns:r="http://schemas.openxmlformats.org/officeDocument/2006/relationships" xmlns:mc="http://schemas.openxmlformats.org/markup-compatibility/2006" xmlns:mv="urn:schemas-microsoft-com:mac:vml" xmlns:p="http://schemas.openxmlformats.org/presentationml/2006/main" mc:Ignorable="mv" mc:PreserveAttributes="mv:*" show="0">
   <p:cSld>
     <p:spTree>
@@ -25612,7 +26063,7 @@
               <a:pPr>
                 <a:defRPr/>
               </a:pPr>
-              <a:t>41</a:t>
+              <a:t>42</a:t>
             </a:fld>
             <a:endParaRPr lang="en-US" sz="1200" dirty="0">
               <a:latin typeface="Comic Sans MS"/>
@@ -25817,7 +26268,7 @@
 </p:sld>
 </file>
 
-<file path=ppt/slides/slide42.xml><?xml version="1.0" encoding="utf-8"?>
+<file path=ppt/slides/slide43.xml><?xml version="1.0" encoding="utf-8"?>
 <p:sld xmlns:a="http://schemas.openxmlformats.org/drawingml/2006/main" xmlns:r="http://schemas.openxmlformats.org/officeDocument/2006/relationships" xmlns:mc="http://schemas.openxmlformats.org/markup-compatibility/2006" xmlns:mv="urn:schemas-microsoft-com:mac:vml" xmlns:p="http://schemas.openxmlformats.org/presentationml/2006/main" mc:Ignorable="mv" mc:PreserveAttributes="mv:*">
   <p:cSld>
     <p:spTree>
@@ -26202,7 +26653,7 @@
               <a:pPr>
                 <a:defRPr/>
               </a:pPr>
-              <a:t>42</a:t>
+              <a:t>43</a:t>
             </a:fld>
             <a:endParaRPr lang="en-US" sz="1200" dirty="0">
               <a:latin typeface="Comic Sans MS"/>
@@ -26534,7 +26985,7 @@
 </p:sld>
 </file>
 
-<file path=ppt/slides/slide43.xml><?xml version="1.0" encoding="utf-8"?>
+<file path=ppt/slides/slide44.xml><?xml version="1.0" encoding="utf-8"?>
 <p:sld xmlns:a="http://schemas.openxmlformats.org/drawingml/2006/main" xmlns:r="http://schemas.openxmlformats.org/officeDocument/2006/relationships" xmlns:mc="http://schemas.openxmlformats.org/markup-compatibility/2006" xmlns:mv="urn:schemas-microsoft-com:mac:vml" xmlns:p="http://schemas.openxmlformats.org/presentationml/2006/main" mc:Ignorable="mv" mc:PreserveAttributes="mv:*" show="0">
   <p:cSld>
     <p:spTree>
@@ -27314,7 +27765,7 @@
               <a:pPr>
                 <a:defRPr/>
               </a:pPr>
-              <a:t>43</a:t>
+              <a:t>44</a:t>
             </a:fld>
             <a:endParaRPr lang="en-US" sz="1200" dirty="0">
               <a:latin typeface="Comic Sans MS"/>
@@ -27608,445 +28059,6 @@
 </p:sld>
 </file>
 
-<file path=ppt/slides/slide44.xml><?xml version="1.0" encoding="utf-8"?>
-<p:sld xmlns:a="http://schemas.openxmlformats.org/drawingml/2006/main" xmlns:r="http://schemas.openxmlformats.org/officeDocument/2006/relationships" xmlns:mc="http://schemas.openxmlformats.org/markup-compatibility/2006" xmlns:mv="urn:schemas-microsoft-com:mac:vml" xmlns:p="http://schemas.openxmlformats.org/presentationml/2006/main" mc:Ignorable="mv" mc:PreserveAttributes="mv:*">
-  <p:cSld>
-    <p:spTree>
-      <p:nvGrpSpPr>
-        <p:cNvPr id="1" name=""/>
-        <p:cNvGrpSpPr/>
-        <p:nvPr/>
-      </p:nvGrpSpPr>
-      <p:grpSpPr>
-        <a:xfrm>
-          <a:off x="0" y="0"/>
-          <a:ext cx="0" cy="0"/>
-          <a:chOff x="0" y="0"/>
-          <a:chExt cx="0" cy="0"/>
-        </a:xfrm>
-      </p:grpSpPr>
-      <p:sp>
-        <p:nvSpPr>
-          <p:cNvPr id="7" name="Slide Number Placeholder 3"/>
-          <p:cNvSpPr>
-            <a:spLocks noGrp="1"/>
-          </p:cNvSpPr>
-          <p:nvPr>
-            <p:ph type="sldNum" sz="quarter" idx="11"/>
-          </p:nvPr>
-        </p:nvSpPr>
-        <p:spPr/>
-        <p:txBody>
-          <a:bodyPr/>
-          <a:lstStyle/>
-          <a:p>
-            <a:pPr>
-              <a:defRPr/>
-            </a:pPr>
-            <a:r>
-              <a:rPr lang="en-US" dirty="0" err="1"/>
-              <a:t>lec</a:t>
-            </a:r>
-            <a:r>
-              <a:rPr lang="en-US" dirty="0" smtClean="0"/>
-              <a:t> 13W.</a:t>
-            </a:r>
-            <a:fld id="{39196791-36AF-407D-9527-253971E27E13}" type="slidenum">
-              <a:rPr lang="en-US" smtClean="0"/>
-              <a:pPr>
-                <a:defRPr/>
-              </a:pPr>
-              <a:t>44</a:t>
-            </a:fld>
-            <a:endParaRPr lang="en-US" dirty="0"/>
-          </a:p>
-        </p:txBody>
-      </p:sp>
-      <p:sp>
-        <p:nvSpPr>
-          <p:cNvPr id="155651" name="Rectangle 3"/>
-          <p:cNvSpPr>
-            <a:spLocks noGrp="1" noChangeArrowheads="1"/>
-          </p:cNvSpPr>
-          <p:nvPr>
-            <p:ph type="body" sz="half" idx="4294967295"/>
-          </p:nvPr>
-        </p:nvSpPr>
-        <p:spPr>
-          <a:xfrm>
-            <a:off x="273532" y="877523"/>
-            <a:ext cx="8574088" cy="5413863"/>
-          </a:xfrm>
-        </p:spPr>
-        <p:txBody>
-          <a:bodyPr/>
-          <a:lstStyle/>
-          <a:p>
-            <a:pPr marL="0" indent="0" eaLnBrk="1" hangingPunct="1"/>
-            <a:r>
-              <a:rPr lang="en-US" dirty="0" smtClean="0"/>
-              <a:t>The </a:t>
-            </a:r>
-            <a:r>
-              <a:rPr lang="en-US" dirty="0" smtClean="0">
-                <a:solidFill>
-                  <a:srgbClr val="006600"/>
-                </a:solidFill>
-              </a:rPr>
-              <a:t>indicator variable </a:t>
-            </a:r>
-            <a:r>
-              <a:rPr lang="en-US" dirty="0" smtClean="0"/>
-              <a:t>for event </a:t>
-            </a:r>
-            <a:r>
-              <a:rPr lang="en-US" dirty="0" smtClean="0">
-                <a:solidFill>
-                  <a:srgbClr val="3333FF"/>
-                </a:solidFill>
-              </a:rPr>
-              <a:t>A</a:t>
-            </a:r>
-            <a:r>
-              <a:rPr lang="en-US" dirty="0" smtClean="0"/>
-              <a:t>: </a:t>
-            </a:r>
-            <a:endParaRPr lang="en-US" dirty="0" smtClean="0">
-              <a:solidFill>
-                <a:srgbClr val="006600"/>
-              </a:solidFill>
-            </a:endParaRPr>
-          </a:p>
-          <a:p>
-            <a:pPr marL="0" indent="0" eaLnBrk="1" hangingPunct="1"/>
-            <a:endParaRPr lang="en-US" dirty="0" smtClean="0"/>
-          </a:p>
-          <a:p>
-            <a:pPr marL="0" indent="0" eaLnBrk="1" hangingPunct="1"/>
-            <a:endParaRPr lang="en-US" dirty="0" smtClean="0">
-              <a:solidFill>
-                <a:schemeClr val="accent2"/>
-              </a:solidFill>
-            </a:endParaRPr>
-          </a:p>
-          <a:p>
-            <a:pPr marL="0" indent="0" eaLnBrk="1" hangingPunct="1"/>
-            <a:endParaRPr lang="en-US" dirty="0" smtClean="0">
-              <a:solidFill>
-                <a:schemeClr val="accent2"/>
-              </a:solidFill>
-            </a:endParaRPr>
-          </a:p>
-          <a:p>
-            <a:pPr marL="0" indent="0" eaLnBrk="1" hangingPunct="1"/>
-            <a:r>
-              <a:rPr lang="en-US" dirty="0" smtClean="0"/>
-              <a:t>(</a:t>
-            </a:r>
-            <a:r>
-              <a:rPr lang="en-US" dirty="0" smtClean="0">
-                <a:solidFill>
-                  <a:srgbClr val="006600"/>
-                </a:solidFill>
-              </a:rPr>
-              <a:t>Sanity check:</a:t>
-            </a:r>
-          </a:p>
-          <a:p>
-            <a:pPr marL="0" indent="0" algn="ctr" eaLnBrk="1" hangingPunct="1"/>
-            <a:r>
-              <a:rPr lang="en-US" dirty="0" smtClean="0"/>
-              <a:t> </a:t>
-            </a:r>
-            <a:r>
-              <a:rPr lang="en-US" dirty="0" smtClean="0">
-                <a:solidFill>
-                  <a:srgbClr val="3333FF"/>
-                </a:solidFill>
-              </a:rPr>
-              <a:t>I</a:t>
-            </a:r>
-            <a:r>
-              <a:rPr lang="en-US" baseline="-25000" dirty="0" smtClean="0">
-                <a:solidFill>
-                  <a:srgbClr val="3333FF"/>
-                </a:solidFill>
-              </a:rPr>
-              <a:t>A</a:t>
-            </a:r>
-            <a:r>
-              <a:rPr lang="en-US" baseline="-25000" dirty="0" smtClean="0"/>
-              <a:t>  </a:t>
-            </a:r>
-            <a:r>
-              <a:rPr lang="en-US" dirty="0" smtClean="0"/>
-              <a:t>and </a:t>
-            </a:r>
-            <a:r>
-              <a:rPr lang="en-US" dirty="0" smtClean="0">
-                <a:solidFill>
-                  <a:srgbClr val="3333FF"/>
-                </a:solidFill>
-              </a:rPr>
-              <a:t>I</a:t>
-            </a:r>
-            <a:r>
-              <a:rPr lang="en-US" baseline="-25000" dirty="0" smtClean="0">
-                <a:solidFill>
-                  <a:srgbClr val="3333FF"/>
-                </a:solidFill>
-              </a:rPr>
-              <a:t>B</a:t>
-            </a:r>
-            <a:r>
-              <a:rPr lang="en-US" baseline="-25000" dirty="0" smtClean="0"/>
-              <a:t>  </a:t>
-            </a:r>
-            <a:r>
-              <a:rPr lang="en-US" dirty="0" smtClean="0"/>
-              <a:t>are independent </a:t>
-            </a:r>
-            <a:r>
-              <a:rPr lang="en-US" dirty="0" err="1" smtClean="0"/>
-              <a:t>iff</a:t>
-            </a:r>
-            <a:endParaRPr lang="en-US" dirty="0" smtClean="0"/>
-          </a:p>
-          <a:p>
-            <a:pPr marL="0" indent="0" algn="ctr" eaLnBrk="1" hangingPunct="1"/>
-            <a:r>
-              <a:rPr lang="en-US" dirty="0" smtClean="0"/>
-              <a:t> </a:t>
-            </a:r>
-            <a:r>
-              <a:rPr lang="en-US" dirty="0" smtClean="0">
-                <a:solidFill>
-                  <a:srgbClr val="3333FF"/>
-                </a:solidFill>
-              </a:rPr>
-              <a:t>A</a:t>
-            </a:r>
-            <a:r>
-              <a:rPr lang="en-US" dirty="0" smtClean="0"/>
-              <a:t> and </a:t>
-            </a:r>
-            <a:r>
-              <a:rPr lang="en-US" dirty="0" smtClean="0">
-                <a:solidFill>
-                  <a:srgbClr val="3333FF"/>
-                </a:solidFill>
-              </a:rPr>
-              <a:t>B</a:t>
-            </a:r>
-            <a:r>
-              <a:rPr lang="en-US" dirty="0" smtClean="0"/>
-              <a:t> are independent.)</a:t>
-            </a:r>
-          </a:p>
-        </p:txBody>
-      </p:sp>
-      <p:graphicFrame>
-        <p:nvGraphicFramePr>
-          <p:cNvPr id="8194" name="Object 4"/>
-          <p:cNvGraphicFramePr>
-            <a:graphicFrameLocks noChangeAspect="1"/>
-          </p:cNvGraphicFramePr>
-          <p:nvPr>
-            <p:ph sz="quarter" idx="4294967295"/>
-          </p:nvPr>
-        </p:nvGraphicFramePr>
-        <p:xfrm>
-          <a:off x="912457" y="1624013"/>
-          <a:ext cx="7278706" cy="1980833"/>
-        </p:xfrm>
-        <a:graphic>
-          <a:graphicData uri="http://schemas.openxmlformats.org/presentationml/2006/ole">
-            <p:oleObj spid="_x0000_s455682" name="Equation" r:id="rId4" imgW="1866600" imgH="507960" progId="Equation.DSMT4">
-              <p:embed/>
-            </p:oleObj>
-          </a:graphicData>
-        </a:graphic>
-      </p:graphicFrame>
-      <p:sp>
-        <p:nvSpPr>
-          <p:cNvPr id="8197" name="Rectangle 2"/>
-          <p:cNvSpPr>
-            <a:spLocks noGrp="1" noChangeArrowheads="1"/>
-          </p:cNvSpPr>
-          <p:nvPr>
-            <p:ph type="title" idx="4294967295"/>
-          </p:nvPr>
-        </p:nvSpPr>
-        <p:spPr>
-          <a:xfrm>
-            <a:off x="1474788" y="130175"/>
-            <a:ext cx="6553200" cy="838200"/>
-          </a:xfrm>
-        </p:spPr>
-        <p:txBody>
-          <a:bodyPr/>
-          <a:lstStyle/>
-          <a:p>
-            <a:pPr eaLnBrk="1" hangingPunct="1"/>
-            <a:r>
-              <a:rPr lang="en-US" smtClean="0"/>
-              <a:t>Indicator Variables</a:t>
-            </a:r>
-          </a:p>
-        </p:txBody>
-      </p:sp>
-    </p:spTree>
-  </p:cSld>
-  <p:clrMapOvr>
-    <a:masterClrMapping/>
-  </p:clrMapOvr>
-  <p:transition>
-    <p:fade thruBlk="1"/>
-  </p:transition>
-  <p:timing>
-    <p:tnLst>
-      <p:par>
-        <p:cTn id="1" dur="indefinite" restart="never" nodeType="tmRoot">
-          <p:childTnLst>
-            <p:seq concurrent="1" nextAc="seek">
-              <p:cTn id="2" dur="indefinite" nodeType="mainSeq">
-                <p:childTnLst>
-                  <p:par>
-                    <p:cTn id="3" fill="hold">
-                      <p:stCondLst>
-                        <p:cond delay="indefinite"/>
-                      </p:stCondLst>
-                      <p:childTnLst>
-                        <p:par>
-                          <p:cTn id="4" fill="hold">
-                            <p:stCondLst>
-                              <p:cond delay="0"/>
-                            </p:stCondLst>
-                            <p:childTnLst>
-                              <p:par>
-                                <p:cTn id="5" presetID="1" presetClass="entr" presetSubtype="0" fill="hold" nodeType="clickEffect">
-                                  <p:stCondLst>
-                                    <p:cond delay="0"/>
-                                  </p:stCondLst>
-                                  <p:childTnLst>
-                                    <p:set>
-                                      <p:cBhvr>
-                                        <p:cTn id="6" dur="1" fill="hold">
-                                          <p:stCondLst>
-                                            <p:cond delay="0"/>
-                                          </p:stCondLst>
-                                        </p:cTn>
-                                        <p:tgtEl>
-                                          <p:spTgt spid="155651">
-                                            <p:txEl>
-                                              <p:pRg st="4" end="4"/>
-                                            </p:txEl>
-                                          </p:spTgt>
-                                        </p:tgtEl>
-                                        <p:attrNameLst>
-                                          <p:attrName>style.visibility</p:attrName>
-                                        </p:attrNameLst>
-                                      </p:cBhvr>
-                                      <p:to>
-                                        <p:strVal val="visible"/>
-                                      </p:to>
-                                    </p:set>
-                                  </p:childTnLst>
-                                </p:cTn>
-                              </p:par>
-                              <p:par>
-                                <p:cTn id="7" presetID="1" presetClass="entr" presetSubtype="0" fill="hold" nodeType="withEffect">
-                                  <p:stCondLst>
-                                    <p:cond delay="0"/>
-                                  </p:stCondLst>
-                                  <p:childTnLst>
-                                    <p:set>
-                                      <p:cBhvr>
-                                        <p:cTn id="8" dur="1" fill="hold">
-                                          <p:stCondLst>
-                                            <p:cond delay="0"/>
-                                          </p:stCondLst>
-                                        </p:cTn>
-                                        <p:tgtEl>
-                                          <p:spTgt spid="155651">
-                                            <p:txEl>
-                                              <p:pRg st="5" end="5"/>
-                                            </p:txEl>
-                                          </p:spTgt>
-                                        </p:tgtEl>
-                                        <p:attrNameLst>
-                                          <p:attrName>style.visibility</p:attrName>
-                                        </p:attrNameLst>
-                                      </p:cBhvr>
-                                      <p:to>
-                                        <p:strVal val="visible"/>
-                                      </p:to>
-                                    </p:set>
-                                  </p:childTnLst>
-                                </p:cTn>
-                              </p:par>
-                              <p:par>
-                                <p:cTn id="9" presetID="1" presetClass="entr" presetSubtype="0" fill="hold" nodeType="withEffect">
-                                  <p:stCondLst>
-                                    <p:cond delay="0"/>
-                                  </p:stCondLst>
-                                  <p:childTnLst>
-                                    <p:set>
-                                      <p:cBhvr>
-                                        <p:cTn id="10" dur="1" fill="hold">
-                                          <p:stCondLst>
-                                            <p:cond delay="0"/>
-                                          </p:stCondLst>
-                                        </p:cTn>
-                                        <p:tgtEl>
-                                          <p:spTgt spid="155651">
-                                            <p:txEl>
-                                              <p:pRg st="6" end="6"/>
-                                            </p:txEl>
-                                          </p:spTgt>
-                                        </p:tgtEl>
-                                        <p:attrNameLst>
-                                          <p:attrName>style.visibility</p:attrName>
-                                        </p:attrNameLst>
-                                      </p:cBhvr>
-                                      <p:to>
-                                        <p:strVal val="visible"/>
-                                      </p:to>
-                                    </p:set>
-                                  </p:childTnLst>
-                                </p:cTn>
-                              </p:par>
-                            </p:childTnLst>
-                          </p:cTn>
-                        </p:par>
-                      </p:childTnLst>
-                    </p:cTn>
-                  </p:par>
-                </p:childTnLst>
-              </p:cTn>
-              <p:prevCondLst>
-                <p:cond evt="onPrev" delay="0">
-                  <p:tgtEl>
-                    <p:sldTgt/>
-                  </p:tgtEl>
-                </p:cond>
-              </p:prevCondLst>
-              <p:nextCondLst>
-                <p:cond evt="onNext" delay="0">
-                  <p:tgtEl>
-                    <p:sldTgt/>
-                  </p:tgtEl>
-                </p:cond>
-              </p:nextCondLst>
-            </p:seq>
-          </p:childTnLst>
-        </p:cTn>
-      </p:par>
-    </p:tnLst>
-  </p:timing>
-</p:sld>
-</file>
-
 <file path=ppt/slides/slide45.xml><?xml version="1.0" encoding="utf-8"?>
 <p:sld xmlns:a="http://schemas.openxmlformats.org/drawingml/2006/main" xmlns:r="http://schemas.openxmlformats.org/officeDocument/2006/relationships" xmlns:mc="http://schemas.openxmlformats.org/markup-compatibility/2006" xmlns:mv="urn:schemas-microsoft-com:mac:vml" xmlns:p="http://schemas.openxmlformats.org/presentationml/2006/main" mc:Ignorable="mv" mc:PreserveAttributes="mv:*">
   <p:cSld>
@@ -28073,12 +28085,12 @@
           <p:nvPr/>
         </p:nvGraphicFramePr>
         <p:xfrm>
-          <a:off x="357188" y="1498600"/>
-          <a:ext cx="8429625" cy="1117600"/>
+          <a:off x="784301" y="1317037"/>
+          <a:ext cx="7533778" cy="1349963"/>
         </p:xfrm>
         <a:graphic>
           <a:graphicData uri="http://schemas.openxmlformats.org/presentationml/2006/ole">
-            <p:oleObj spid="_x0000_s239618" name="Equation" r:id="rId4" imgW="2108160" imgH="279360" progId="Equation.DSMT4">
+            <p:oleObj spid="_x0000_s239618" name="Equation" r:id="rId4" imgW="1701800" imgH="304800" progId="Equation.DSMT4">
               <p:embed/>
             </p:oleObj>
           </a:graphicData>
@@ -28124,8 +28136,8 @@
         </p:nvSpPr>
         <p:spPr>
           <a:xfrm>
-            <a:off x="1143000" y="2743200"/>
-            <a:ext cx="6857968" cy="2585323"/>
+            <a:off x="796992" y="2959570"/>
+            <a:ext cx="7594923" cy="1938992"/>
           </a:xfrm>
           <a:prstGeom prst="rect">
             <a:avLst/>
@@ -28139,13 +28151,13 @@
           <a:lstStyle/>
           <a:p>
             <a:r>
-              <a:rPr lang="en-US" sz="5400" i="0" dirty="0" smtClean="0">
+              <a:rPr lang="en-US" sz="6000" i="0" dirty="0" smtClean="0">
                 <a:latin typeface="+mj-lt"/>
               </a:rPr>
               <a:t>where </a:t>
             </a:r>
             <a:r>
-              <a:rPr lang="en-US" sz="5400" i="0" dirty="0" smtClean="0">
+              <a:rPr lang="en-US" sz="6000" i="0" dirty="0" smtClean="0">
                 <a:solidFill>
                   <a:srgbClr val="0000FF"/>
                 </a:solidFill>
@@ -28154,7 +28166,7 @@
               <a:t>H</a:t>
             </a:r>
             <a:r>
-              <a:rPr lang="en-US" sz="5400" i="0" baseline="-25000" dirty="0" smtClean="0">
+              <a:rPr lang="en-US" sz="6000" i="0" baseline="-25000" dirty="0" smtClean="0">
                 <a:solidFill>
                   <a:srgbClr val="0000FF"/>
                 </a:solidFill>
@@ -28163,7 +28175,7 @@
               <a:t>i</a:t>
             </a:r>
             <a:r>
-              <a:rPr lang="en-US" sz="5400" i="0" dirty="0" smtClean="0">
+              <a:rPr lang="en-US" sz="6000" i="0" dirty="0" smtClean="0">
                 <a:latin typeface="+mj-lt"/>
               </a:rPr>
               <a:t> is indicator</a:t>
@@ -28171,13 +28183,13 @@
           </a:p>
           <a:p>
             <a:r>
-              <a:rPr lang="en-US" sz="5400" i="0" dirty="0" smtClean="0">
+              <a:rPr lang="en-US" sz="6000" i="0" dirty="0" smtClean="0">
                 <a:latin typeface="+mj-lt"/>
               </a:rPr>
               <a:t>for </a:t>
             </a:r>
             <a:r>
-              <a:rPr lang="en-US" sz="5400" i="0" dirty="0" smtClean="0">
+              <a:rPr lang="en-US" sz="6000" i="0" dirty="0" smtClean="0">
                 <a:solidFill>
                   <a:srgbClr val="008000"/>
                 </a:solidFill>
@@ -28186,13 +28198,13 @@
               <a:t>Head</a:t>
             </a:r>
             <a:r>
-              <a:rPr lang="en-US" sz="5400" i="0" dirty="0" smtClean="0">
+              <a:rPr lang="en-US" sz="6000" i="0" dirty="0" smtClean="0">
                 <a:latin typeface="+mj-lt"/>
               </a:rPr>
               <a:t> on </a:t>
             </a:r>
             <a:r>
-              <a:rPr lang="en-US" sz="5400" i="0" dirty="0" err="1" smtClean="0">
+              <a:rPr lang="en-US" sz="6000" i="0" dirty="0" err="1" smtClean="0">
                 <a:solidFill>
                   <a:srgbClr val="0000FF"/>
                 </a:solidFill>
@@ -28201,75 +28213,24 @@
               <a:t>i</a:t>
             </a:r>
             <a:r>
-              <a:rPr lang="en-US" sz="5400" i="0" dirty="0" err="1" smtClean="0">
+              <a:rPr lang="en-US" sz="6000" i="0" dirty="0" err="1" smtClean="0">
                 <a:latin typeface="+mj-lt"/>
               </a:rPr>
               <a:t>th</a:t>
             </a:r>
             <a:r>
-              <a:rPr lang="en-US" sz="5400" i="0" dirty="0" smtClean="0">
+              <a:rPr lang="en-US" sz="6000" i="0" dirty="0" smtClean="0">
                 <a:latin typeface="+mj-lt"/>
               </a:rPr>
-              <a:t> flip</a:t>
-            </a:r>
-          </a:p>
-          <a:p>
-            <a:pPr algn="ctr"/>
-            <a:r>
-              <a:rPr lang="en-US" sz="5400" i="0" dirty="0" smtClean="0">
-                <a:solidFill>
-                  <a:srgbClr val="0000FF"/>
-                </a:solidFill>
+              <a:t> </a:t>
+            </a:r>
+            <a:r>
+              <a:rPr lang="en-US" sz="6000" i="0" dirty="0" smtClean="0">
                 <a:latin typeface="+mj-lt"/>
               </a:rPr>
-              <a:t>E[</a:t>
-            </a:r>
-            <a:r>
-              <a:rPr lang="en-US" sz="5400" i="0" dirty="0" smtClean="0">
-                <a:solidFill>
-                  <a:srgbClr val="0000FF"/>
-                </a:solidFill>
-                <a:latin typeface="Comic Sans MS"/>
-              </a:rPr>
-              <a:t>H</a:t>
-            </a:r>
-            <a:r>
-              <a:rPr lang="en-US" sz="5400" i="0" baseline="-25000" dirty="0" smtClean="0">
-                <a:solidFill>
-                  <a:srgbClr val="0000FF"/>
-                </a:solidFill>
-                <a:latin typeface="Comic Sans MS"/>
-              </a:rPr>
-              <a:t>i</a:t>
-            </a:r>
-            <a:r>
-              <a:rPr lang="en-US" sz="5400" i="0" dirty="0" smtClean="0">
-                <a:solidFill>
-                  <a:srgbClr val="0000FF"/>
-                </a:solidFill>
-                <a:latin typeface="Comic Sans MS"/>
-              </a:rPr>
-              <a:t>] </a:t>
-            </a:r>
-            <a:r>
-              <a:rPr lang="en-US" sz="5400" i="0" dirty="0" smtClean="0">
-                <a:latin typeface="Comic Sans MS"/>
-              </a:rPr>
-              <a:t>=</a:t>
-            </a:r>
-            <a:r>
-              <a:rPr lang="en-US" sz="5400" i="0" dirty="0" smtClean="0">
-                <a:solidFill>
-                  <a:srgbClr val="0000FF"/>
-                </a:solidFill>
-                <a:latin typeface="Comic Sans MS"/>
-              </a:rPr>
-              <a:t> p</a:t>
-            </a:r>
-            <a:endParaRPr lang="en-US" sz="5400" i="0" dirty="0" smtClean="0">
-              <a:solidFill>
-                <a:srgbClr val="0000FF"/>
-              </a:solidFill>
+              <a:t>flip</a:t>
+            </a:r>
+            <a:endParaRPr lang="en-US" sz="6000" i="0" dirty="0" smtClean="0">
               <a:latin typeface="+mj-lt"/>
             </a:endParaRPr>
           </a:p>
@@ -28496,67 +28457,6 @@
                       </p:childTnLst>
                     </p:cTn>
                   </p:par>
-                  <p:par>
-                    <p:cTn id="15" fill="hold">
-                      <p:stCondLst>
-                        <p:cond delay="indefinite"/>
-                      </p:stCondLst>
-                      <p:childTnLst>
-                        <p:par>
-                          <p:cTn id="16" fill="hold">
-                            <p:stCondLst>
-                              <p:cond delay="0"/>
-                            </p:stCondLst>
-                            <p:childTnLst>
-                              <p:par>
-                                <p:cTn id="17" presetID="22" presetClass="entr" presetSubtype="8" fill="hold" nodeType="clickEffect">
-                                  <p:stCondLst>
-                                    <p:cond delay="0"/>
-                                  </p:stCondLst>
-                                  <p:childTnLst>
-                                    <p:set>
-                                      <p:cBhvr>
-                                        <p:cTn id="18" dur="1" fill="hold">
-                                          <p:stCondLst>
-                                            <p:cond delay="0"/>
-                                          </p:stCondLst>
-                                        </p:cTn>
-                                        <p:tgtEl>
-                                          <p:spTgt spid="11">
-                                            <p:txEl>
-                                              <p:pRg st="2" end="2"/>
-                                            </p:txEl>
-                                          </p:spTgt>
-                                        </p:tgtEl>
-                                        <p:attrNameLst>
-                                          <p:attrName>style.visibility</p:attrName>
-                                        </p:attrNameLst>
-                                      </p:cBhvr>
-                                      <p:to>
-                                        <p:strVal val="visible"/>
-                                      </p:to>
-                                    </p:set>
-                                    <p:animEffect transition="in" filter="wipe(left)">
-                                      <p:cBhvr>
-                                        <p:cTn id="19" dur="500"/>
-                                        <p:tgtEl>
-                                          <p:spTgt spid="11">
-                                            <p:txEl>
-                                              <p:pRg st="2" end="2"/>
-                                            </p:txEl>
-                                          </p:spTgt>
-                                        </p:tgtEl>
-                                      </p:cBhvr>
-                                    </p:animEffect>
-                                  </p:childTnLst>
-                                </p:cTn>
-                              </p:par>
-                            </p:childTnLst>
-                          </p:cTn>
-                        </p:par>
-                      </p:childTnLst>
-                    </p:cTn>
-                  </p:par>
                 </p:childTnLst>
               </p:cTn>
               <p:prevCondLst>
@@ -28660,12 +28560,12 @@
           <p:nvPr/>
         </p:nvGraphicFramePr>
         <p:xfrm>
-          <a:off x="762000" y="3505200"/>
-          <a:ext cx="7761382" cy="2056195"/>
+          <a:off x="538399" y="3315462"/>
+          <a:ext cx="8172450" cy="2568575"/>
         </p:xfrm>
         <a:graphic>
           <a:graphicData uri="http://schemas.openxmlformats.org/presentationml/2006/ole">
-            <p:oleObj spid="_x0000_s241667" name="Equation" r:id="rId5" imgW="1917360" imgH="507960" progId="Equation.DSMT4">
+            <p:oleObj spid="_x0000_s241667" name="Equation" r:id="rId5" imgW="2019300" imgH="635000" progId="Equation.DSMT4">
               <p:embed/>
             </p:oleObj>
           </a:graphicData>
@@ -28704,16 +28604,16 @@
       </p:sp>
       <p:grpSp>
         <p:nvGrpSpPr>
-          <p:cNvPr id="2" name="Group 13"/>
+          <p:cNvPr id="12" name="Group 11"/>
           <p:cNvGrpSpPr/>
           <p:nvPr/>
         </p:nvGrpSpPr>
         <p:grpSpPr>
           <a:xfrm>
-            <a:off x="381000" y="1371600"/>
-            <a:ext cx="4572000" cy="4191000"/>
-            <a:chOff x="381000" y="1371600"/>
-            <a:chExt cx="4572000" cy="4191000"/>
+            <a:off x="371592" y="1371600"/>
+            <a:ext cx="4891839" cy="4191000"/>
+            <a:chOff x="371592" y="1371600"/>
+            <a:chExt cx="4891839" cy="4191000"/>
           </a:xfrm>
         </p:grpSpPr>
         <p:sp>
@@ -28724,8 +28624,8 @@
           </p:nvSpPr>
           <p:spPr bwMode="auto">
             <a:xfrm>
-              <a:off x="381000" y="1371600"/>
-              <a:ext cx="2743200" cy="1295400"/>
+              <a:off x="371592" y="1371600"/>
+              <a:ext cx="3250259" cy="1290696"/>
             </a:xfrm>
             <a:prstGeom prst="rect">
               <a:avLst/>
@@ -28787,7 +28687,7 @@
           </p:nvSpPr>
           <p:spPr bwMode="auto">
             <a:xfrm>
-              <a:off x="3276600" y="4724400"/>
+              <a:off x="3587031" y="4724400"/>
               <a:ext cx="1676400" cy="838200"/>
             </a:xfrm>
             <a:prstGeom prst="rect">
@@ -28966,27 +28866,36 @@
                             </p:childTnLst>
                           </p:cTn>
                         </p:par>
+                      </p:childTnLst>
+                    </p:cTn>
+                  </p:par>
+                  <p:par>
+                    <p:cTn id="8" fill="hold">
+                      <p:stCondLst>
+                        <p:cond delay="indefinite"/>
+                      </p:stCondLst>
+                      <p:childTnLst>
                         <p:par>
-                          <p:cTn id="8" fill="hold">
+                          <p:cTn id="9" fill="hold">
                             <p:stCondLst>
-                              <p:cond delay="1000"/>
+                              <p:cond delay="0"/>
                             </p:stCondLst>
                             <p:childTnLst>
                               <p:par>
-                                <p:cTn id="9" presetID="9" presetClass="entr" presetSubtype="0" fill="hold" nodeType="afterEffect">
+                                <p:cTn id="10" presetID="15" presetClass="entr" presetSubtype="0" fill="hold" nodeType="clickEffect">
                                   <p:stCondLst>
                                     <p:cond delay="0"/>
                                   </p:stCondLst>
                                   <p:childTnLst>
                                     <p:set>
                                       <p:cBhvr>
-                                        <p:cTn id="10" dur="1" fill="hold">
+                                        <p:cTn id="11" dur="1" fill="hold">
                                           <p:stCondLst>
                                             <p:cond delay="0"/>
                                           </p:stCondLst>
                                         </p:cTn>
                                         <p:tgtEl>
-                                          <p:spTgt spid="2"/>
+                                          <p:spTgt spid="12"/>
                                         </p:tgtEl>
                                         <p:attrNameLst>
                                           <p:attrName>style.visibility</p:attrName>
@@ -28996,14 +28905,98 @@
                                         <p:strVal val="visible"/>
                                       </p:to>
                                     </p:set>
-                                    <p:animEffect transition="in" filter="dissolve">
+                                    <p:anim calcmode="lin" valueType="num">
                                       <p:cBhvr>
-                                        <p:cTn id="11" dur="500"/>
+                                        <p:cTn id="12" dur="1000" fill="hold"/>
                                         <p:tgtEl>
-                                          <p:spTgt spid="2"/>
+                                          <p:spTgt spid="12"/>
                                         </p:tgtEl>
+                                        <p:attrNameLst>
+                                          <p:attrName>ppt_w</p:attrName>
+                                        </p:attrNameLst>
                                       </p:cBhvr>
-                                    </p:animEffect>
+                                      <p:tavLst>
+                                        <p:tav tm="0">
+                                          <p:val>
+                                            <p:fltVal val="0"/>
+                                          </p:val>
+                                        </p:tav>
+                                        <p:tav tm="100000">
+                                          <p:val>
+                                            <p:strVal val="#ppt_w"/>
+                                          </p:val>
+                                        </p:tav>
+                                      </p:tavLst>
+                                    </p:anim>
+                                    <p:anim calcmode="lin" valueType="num">
+                                      <p:cBhvr>
+                                        <p:cTn id="13" dur="1000" fill="hold"/>
+                                        <p:tgtEl>
+                                          <p:spTgt spid="12"/>
+                                        </p:tgtEl>
+                                        <p:attrNameLst>
+                                          <p:attrName>ppt_h</p:attrName>
+                                        </p:attrNameLst>
+                                      </p:cBhvr>
+                                      <p:tavLst>
+                                        <p:tav tm="0">
+                                          <p:val>
+                                            <p:fltVal val="0"/>
+                                          </p:val>
+                                        </p:tav>
+                                        <p:tav tm="100000">
+                                          <p:val>
+                                            <p:strVal val="#ppt_h"/>
+                                          </p:val>
+                                        </p:tav>
+                                      </p:tavLst>
+                                    </p:anim>
+                                    <p:anim calcmode="lin" valueType="num">
+                                      <p:cBhvr>
+                                        <p:cTn id="14" dur="1000" fill="hold"/>
+                                        <p:tgtEl>
+                                          <p:spTgt spid="12"/>
+                                        </p:tgtEl>
+                                        <p:attrNameLst>
+                                          <p:attrName>ppt_x</p:attrName>
+                                        </p:attrNameLst>
+                                      </p:cBhvr>
+                                      <p:tavLst>
+                                        <p:tav tm="0" fmla="#ppt_x+(cos(-2*pi*(1-$))*-#ppt_x-sin(-2*pi*(1-$))*(1-#ppt_y))*(1-$)">
+                                          <p:val>
+                                            <p:fltVal val="0"/>
+                                          </p:val>
+                                        </p:tav>
+                                        <p:tav tm="100000">
+                                          <p:val>
+                                            <p:fltVal val="1"/>
+                                          </p:val>
+                                        </p:tav>
+                                      </p:tavLst>
+                                    </p:anim>
+                                    <p:anim calcmode="lin" valueType="num">
+                                      <p:cBhvr>
+                                        <p:cTn id="15" dur="1000" fill="hold"/>
+                                        <p:tgtEl>
+                                          <p:spTgt spid="12"/>
+                                        </p:tgtEl>
+                                        <p:attrNameLst>
+                                          <p:attrName>ppt_y</p:attrName>
+                                        </p:attrNameLst>
+                                      </p:cBhvr>
+                                      <p:tavLst>
+                                        <p:tav tm="0" fmla="#ppt_y+(sin(-2*pi*(1-$))*-#ppt_x+cos(-2*pi*(1-$))*(1-#ppt_y))*(1-$)">
+                                          <p:val>
+                                            <p:fltVal val="0"/>
+                                          </p:val>
+                                        </p:tav>
+                                        <p:tav tm="100000">
+                                          <p:val>
+                                            <p:fltVal val="1"/>
+                                          </p:val>
+                                        </p:tav>
+                                      </p:tavLst>
+                                    </p:anim>
                                   </p:childTnLst>
                                 </p:cTn>
                               </p:par>
